--- a/MultiThread/PPT/UE4_多线程.pptx
+++ b/MultiThread/PPT/UE4_多线程.pptx
@@ -8,7 +8,7 @@
     <p:notesMasterId r:id="rId13"/>
   </p:notesMasterIdLst>
   <p:handoutMasterIdLst>
-    <p:handoutMasterId r:id="rId22"/>
+    <p:handoutMasterId r:id="rId25"/>
   </p:handoutMasterIdLst>
   <p:sldIdLst>
     <p:sldId id="256" r:id="rId3"/>
@@ -29,6 +29,9 @@
     <p:sldId id="273" r:id="rId19"/>
     <p:sldId id="274" r:id="rId20"/>
     <p:sldId id="275" r:id="rId21"/>
+    <p:sldId id="276" r:id="rId22"/>
+    <p:sldId id="277" r:id="rId23"/>
+    <p:sldId id="278" r:id="rId24"/>
   </p:sldIdLst>
   <p:sldSz cx="12192000" cy="6858000"/>
   <p:notesSz cx="6858000" cy="9144000"/>
@@ -636,6 +639,138 @@
 </file>
 
 <file path=ppt/notesSlides/notesSlide1.xml><?xml version="1.0" encoding="utf-8"?>
+<p:notes xmlns:a="http://schemas.openxmlformats.org/drawingml/2006/main" xmlns:r="http://schemas.openxmlformats.org/officeDocument/2006/relationships" xmlns:p="http://schemas.openxmlformats.org/presentationml/2006/main">
+  <p:cSld>
+    <p:spTree>
+      <p:nvGrpSpPr>
+        <p:cNvPr id="1" name=""/>
+        <p:cNvGrpSpPr/>
+        <p:nvPr/>
+      </p:nvGrpSpPr>
+      <p:grpSpPr/>
+      <p:sp>
+        <p:nvSpPr>
+          <p:cNvPr id="2" name="幻灯片图像占位符 1"/>
+          <p:cNvSpPr/>
+          <p:nvPr>
+            <p:ph type="sldImg" idx="2"/>
+          </p:nvPr>
+        </p:nvSpPr>
+        <p:spPr/>
+      </p:sp>
+      <p:sp>
+        <p:nvSpPr>
+          <p:cNvPr id="3" name="文本占位符 2"/>
+          <p:cNvSpPr/>
+          <p:nvPr>
+            <p:ph type="body" idx="3"/>
+          </p:nvPr>
+        </p:nvSpPr>
+        <p:spPr/>
+        <p:txBody>
+          <a:bodyPr/>
+          <a:p>
+            <a:endParaRPr lang="zh-CN" altLang="en-US"/>
+          </a:p>
+        </p:txBody>
+      </p:sp>
+    </p:spTree>
+  </p:cSld>
+  <p:clrMapOvr>
+    <a:masterClrMapping/>
+  </p:clrMapOvr>
+</p:notes>
+</file>
+
+<file path=ppt/notesSlides/notesSlide10.xml><?xml version="1.0" encoding="utf-8"?>
+<p:notes xmlns:a="http://schemas.openxmlformats.org/drawingml/2006/main" xmlns:r="http://schemas.openxmlformats.org/officeDocument/2006/relationships" xmlns:p="http://schemas.openxmlformats.org/presentationml/2006/main">
+  <p:cSld>
+    <p:spTree>
+      <p:nvGrpSpPr>
+        <p:cNvPr id="1" name=""/>
+        <p:cNvGrpSpPr/>
+        <p:nvPr/>
+      </p:nvGrpSpPr>
+      <p:grpSpPr/>
+      <p:sp>
+        <p:nvSpPr>
+          <p:cNvPr id="2" name="幻灯片图像占位符 1"/>
+          <p:cNvSpPr/>
+          <p:nvPr>
+            <p:ph type="sldImg" idx="2"/>
+          </p:nvPr>
+        </p:nvSpPr>
+        <p:spPr/>
+      </p:sp>
+      <p:sp>
+        <p:nvSpPr>
+          <p:cNvPr id="3" name="文本占位符 2"/>
+          <p:cNvSpPr/>
+          <p:nvPr>
+            <p:ph type="body" idx="3"/>
+          </p:nvPr>
+        </p:nvSpPr>
+        <p:spPr/>
+        <p:txBody>
+          <a:bodyPr/>
+          <a:p>
+            <a:endParaRPr lang="zh-CN" altLang="en-US"/>
+          </a:p>
+        </p:txBody>
+      </p:sp>
+    </p:spTree>
+  </p:cSld>
+  <p:clrMapOvr>
+    <a:masterClrMapping/>
+  </p:clrMapOvr>
+</p:notes>
+</file>
+
+<file path=ppt/notesSlides/notesSlide11.xml><?xml version="1.0" encoding="utf-8"?>
+<p:notes xmlns:a="http://schemas.openxmlformats.org/drawingml/2006/main" xmlns:r="http://schemas.openxmlformats.org/officeDocument/2006/relationships" xmlns:p="http://schemas.openxmlformats.org/presentationml/2006/main">
+  <p:cSld>
+    <p:spTree>
+      <p:nvGrpSpPr>
+        <p:cNvPr id="1" name=""/>
+        <p:cNvGrpSpPr/>
+        <p:nvPr/>
+      </p:nvGrpSpPr>
+      <p:grpSpPr/>
+      <p:sp>
+        <p:nvSpPr>
+          <p:cNvPr id="2" name="幻灯片图像占位符 1"/>
+          <p:cNvSpPr/>
+          <p:nvPr>
+            <p:ph type="sldImg" idx="2"/>
+          </p:nvPr>
+        </p:nvSpPr>
+        <p:spPr/>
+      </p:sp>
+      <p:sp>
+        <p:nvSpPr>
+          <p:cNvPr id="3" name="文本占位符 2"/>
+          <p:cNvSpPr/>
+          <p:nvPr>
+            <p:ph type="body" idx="3"/>
+          </p:nvPr>
+        </p:nvSpPr>
+        <p:spPr/>
+        <p:txBody>
+          <a:bodyPr/>
+          <a:p>
+            <a:endParaRPr lang="zh-CN" altLang="en-US"/>
+          </a:p>
+        </p:txBody>
+      </p:sp>
+    </p:spTree>
+  </p:cSld>
+  <p:clrMapOvr>
+    <a:masterClrMapping/>
+  </p:clrMapOvr>
+</p:notes>
+</file>
+
+<file path=ppt/notesSlides/notesSlide12.xml><?xml version="1.0" encoding="utf-8"?>
 <p:notes xmlns:a="http://schemas.openxmlformats.org/drawingml/2006/main" xmlns:r="http://schemas.openxmlformats.org/officeDocument/2006/relationships" xmlns:p="http://schemas.openxmlformats.org/presentationml/2006/main">
   <p:cSld>
     <p:spTree>
@@ -6300,7 +6435,7 @@
         <p:spPr>
           <a:xfrm>
             <a:off x="0" y="705485"/>
-            <a:ext cx="4874260" cy="2306955"/>
+            <a:ext cx="4763135" cy="1753235"/>
           </a:xfrm>
           <a:prstGeom prst="rect">
             <a:avLst/>
@@ -6325,19 +6460,19 @@
                 </a:solidFill>
                 <a:sym typeface="+mn-ea"/>
               </a:rPr>
-              <a:t>如果池子里没有空闲的线程，那么先把任务添加到任务队列</a:t>
-            </a:r>
-            <a:r>
-              <a:rPr lang="zh-CN" altLang="en-US">
-                <a:solidFill>
-                  <a:schemeClr val="tx1">
-                    <a:lumMod val="65000"/>
-                    <a:lumOff val="35000"/>
-                  </a:schemeClr>
-                </a:solidFill>
-                <a:sym typeface="+mn-ea"/>
-              </a:rPr>
-              <a:t>里。</a:t>
+              <a:t>无论是指定名字还是未指定名字的线程，都构造对应</a:t>
+            </a:r>
+            <a:r>
+              <a:rPr lang="zh-CN" altLang="en-US">
+                <a:solidFill>
+                  <a:schemeClr val="tx1">
+                    <a:lumMod val="65000"/>
+                    <a:lumOff val="35000"/>
+                  </a:schemeClr>
+                </a:solidFill>
+                <a:sym typeface="+mn-ea"/>
+              </a:rPr>
+              <a:t>的FTaskThreadBase。</a:t>
             </a:r>
             <a:endParaRPr lang="zh-CN" altLang="en-US">
               <a:solidFill>
@@ -6377,19 +6512,43 @@
                 </a:solidFill>
                 <a:sym typeface="+mn-ea"/>
               </a:rPr>
-              <a:t>如果池子里有空闲的线程，从空闲线程数组里取最后一个并从数组中移除，然后把任务传给线程，最后调DoWork方法里的DoWorkEvent会Trigger一下，线程就会执行传入的</a:t>
-            </a:r>
-            <a:r>
-              <a:rPr lang="zh-CN" altLang="en-US">
-                <a:solidFill>
-                  <a:schemeClr val="tx1">
-                    <a:lumMod val="65000"/>
-                    <a:lumOff val="35000"/>
-                  </a:schemeClr>
-                </a:solidFill>
-                <a:sym typeface="+mn-ea"/>
-              </a:rPr>
-              <a:t>任务。</a:t>
+              <a:t>构造所有的未指定名字线程的FRunnableThread，有普通，高，低</a:t>
+            </a:r>
+            <a:r>
+              <a:rPr lang="en-US" altLang="zh-CN">
+                <a:solidFill>
+                  <a:schemeClr val="tx1">
+                    <a:lumMod val="65000"/>
+                    <a:lumOff val="35000"/>
+                  </a:schemeClr>
+                </a:solidFill>
+                <a:sym typeface="+mn-ea"/>
+              </a:rPr>
+              <a:t>3</a:t>
+            </a:r>
+            <a:r>
+              <a:rPr lang="zh-CN" altLang="en-US">
+                <a:solidFill>
+                  <a:schemeClr val="tx1">
+                    <a:lumMod val="65000"/>
+                    <a:lumOff val="35000"/>
+                  </a:schemeClr>
+                </a:solidFill>
+                <a:sym typeface="+mn-ea"/>
+              </a:rPr>
+              <a:t>种不同的</a:t>
+            </a:r>
+            <a:r>
+              <a:rPr lang="zh-CN" altLang="en-US">
+                <a:solidFill>
+                  <a:schemeClr val="tx1">
+                    <a:lumMod val="65000"/>
+                    <a:lumOff val="35000"/>
+                  </a:schemeClr>
+                </a:solidFill>
+                <a:sym typeface="+mn-ea"/>
+              </a:rPr>
+              <a:t>优先度。</a:t>
             </a:r>
             <a:endParaRPr lang="zh-CN" altLang="en-US">
               <a:solidFill>
@@ -6403,9 +6562,868 @@
           </a:p>
         </p:txBody>
       </p:sp>
+      <p:sp>
+        <p:nvSpPr>
+          <p:cNvPr id="4" name="文本框 3"/>
+          <p:cNvSpPr txBox="1"/>
+          <p:nvPr/>
+        </p:nvSpPr>
+        <p:spPr>
+          <a:xfrm>
+            <a:off x="0" y="3150235"/>
+            <a:ext cx="4794885" cy="3046095"/>
+          </a:xfrm>
+          <a:prstGeom prst="rect">
+            <a:avLst/>
+          </a:prstGeom>
+          <a:noFill/>
+        </p:spPr>
+        <p:txBody>
+          <a:bodyPr wrap="square" rtlCol="0">
+            <a:spAutoFit/>
+          </a:bodyPr>
+          <a:p>
+            <a:pPr indent="0" algn="l">
+              <a:buFont typeface="Arial" panose="020B0604020202020204" pitchFamily="34" charset="0"/>
+              <a:buNone/>
+            </a:pPr>
+            <a:r>
+              <a:rPr lang="en-US" altLang="zh-CN" sz="1200">
+                <a:solidFill>
+                  <a:schemeClr val="tx1">
+                    <a:lumMod val="65000"/>
+                    <a:lumOff val="35000"/>
+                  </a:schemeClr>
+                </a:solidFill>
+              </a:rPr>
+              <a:t>// </a:t>
+            </a:r>
+            <a:r>
+              <a:rPr lang="zh-CN" altLang="en-US" sz="1200">
+                <a:solidFill>
+                  <a:schemeClr val="tx1">
+                    <a:lumMod val="65000"/>
+                    <a:lumOff val="35000"/>
+                  </a:schemeClr>
+                </a:solidFill>
+              </a:rPr>
+              <a:t>所有线程（里面有</a:t>
+            </a:r>
+            <a:r>
+              <a:rPr lang="en-US" altLang="zh-CN" sz="1200">
+                <a:solidFill>
+                  <a:schemeClr val="tx1">
+                    <a:lumMod val="65000"/>
+                    <a:lumOff val="35000"/>
+                  </a:schemeClr>
+                </a:solidFill>
+              </a:rPr>
+              <a:t>FRunnable</a:t>
+            </a:r>
+            <a:r>
+              <a:rPr lang="zh-CN" altLang="en-US" sz="1200">
+                <a:solidFill>
+                  <a:schemeClr val="tx1">
+                    <a:lumMod val="65000"/>
+                    <a:lumOff val="35000"/>
+                  </a:schemeClr>
+                </a:solidFill>
+              </a:rPr>
+              <a:t>，</a:t>
+            </a:r>
+            <a:r>
+              <a:rPr lang="en-US" altLang="zh-CN" sz="1200">
+                <a:solidFill>
+                  <a:schemeClr val="tx1">
+                    <a:lumMod val="65000"/>
+                    <a:lumOff val="35000"/>
+                  </a:schemeClr>
+                </a:solidFill>
+              </a:rPr>
+              <a:t>F</a:t>
+            </a:r>
+            <a:r>
+              <a:rPr lang="zh-CN" altLang="en-US" sz="1200">
+                <a:solidFill>
+                  <a:schemeClr val="tx1">
+                    <a:lumMod val="65000"/>
+                    <a:lumOff val="35000"/>
+                  </a:schemeClr>
+                </a:solidFill>
+              </a:rPr>
+              <a:t>RunnableThread）</a:t>
+            </a:r>
+            <a:endParaRPr lang="en-US" altLang="zh-CN" sz="1200">
+              <a:solidFill>
+                <a:schemeClr val="tx1">
+                  <a:lumMod val="65000"/>
+                  <a:lumOff val="35000"/>
+                </a:schemeClr>
+              </a:solidFill>
+            </a:endParaRPr>
+          </a:p>
+          <a:p>
+            <a:pPr marL="285750" indent="-285750" algn="l">
+              <a:buFont typeface="Arial" panose="020B0604020202020204" pitchFamily="34" charset="0"/>
+              <a:buChar char="•"/>
+            </a:pPr>
+            <a:r>
+              <a:rPr lang="en-US" altLang="zh-CN" sz="1200">
+                <a:solidFill>
+                  <a:schemeClr val="tx1">
+                    <a:lumMod val="65000"/>
+                    <a:lumOff val="35000"/>
+                  </a:schemeClr>
+                </a:solidFill>
+              </a:rPr>
+              <a:t>FWorkerThread WorkerThreads[MAX_THREADS];</a:t>
+            </a:r>
+            <a:endParaRPr lang="en-US" altLang="zh-CN" sz="1200">
+              <a:solidFill>
+                <a:schemeClr val="tx1">
+                  <a:lumMod val="65000"/>
+                  <a:lumOff val="35000"/>
+                </a:schemeClr>
+              </a:solidFill>
+            </a:endParaRPr>
+          </a:p>
+          <a:p>
+            <a:pPr indent="0" algn="l">
+              <a:buFont typeface="Arial" panose="020B0604020202020204" pitchFamily="34" charset="0"/>
+              <a:buNone/>
+            </a:pPr>
+            <a:r>
+              <a:rPr lang="en-US" altLang="zh-CN" sz="1200">
+                <a:solidFill>
+                  <a:schemeClr val="tx1">
+                    <a:lumMod val="65000"/>
+                    <a:lumOff val="35000"/>
+                  </a:schemeClr>
+                </a:solidFill>
+              </a:rPr>
+              <a:t>// </a:t>
+            </a:r>
+            <a:r>
+              <a:rPr lang="zh-CN" altLang="en-US" sz="1200">
+                <a:solidFill>
+                  <a:schemeClr val="tx1">
+                    <a:lumMod val="65000"/>
+                    <a:lumOff val="35000"/>
+                  </a:schemeClr>
+                </a:solidFill>
+              </a:rPr>
+              <a:t>总线程数</a:t>
+            </a:r>
+            <a:endParaRPr lang="en-US" altLang="zh-CN" sz="1200">
+              <a:solidFill>
+                <a:schemeClr val="tx1">
+                  <a:lumMod val="65000"/>
+                  <a:lumOff val="35000"/>
+                </a:schemeClr>
+              </a:solidFill>
+            </a:endParaRPr>
+          </a:p>
+          <a:p>
+            <a:pPr marL="285750" indent="-285750" algn="l">
+              <a:buFont typeface="Arial" panose="020B0604020202020204" pitchFamily="34" charset="0"/>
+              <a:buChar char="•"/>
+            </a:pPr>
+            <a:r>
+              <a:rPr lang="en-US" altLang="zh-CN" sz="1200">
+                <a:solidFill>
+                  <a:schemeClr val="tx1">
+                    <a:lumMod val="65000"/>
+                    <a:lumOff val="35000"/>
+                  </a:schemeClr>
+                </a:solidFill>
+              </a:rPr>
+              <a:t>int32 NumThreads;</a:t>
+            </a:r>
+            <a:endParaRPr lang="en-US" altLang="zh-CN" sz="1200">
+              <a:solidFill>
+                <a:schemeClr val="tx1">
+                  <a:lumMod val="65000"/>
+                  <a:lumOff val="35000"/>
+                </a:schemeClr>
+              </a:solidFill>
+            </a:endParaRPr>
+          </a:p>
+          <a:p>
+            <a:pPr indent="0" algn="l">
+              <a:buFont typeface="Arial" panose="020B0604020202020204" pitchFamily="34" charset="0"/>
+              <a:buNone/>
+            </a:pPr>
+            <a:r>
+              <a:rPr lang="en-US" altLang="zh-CN" sz="1200">
+                <a:solidFill>
+                  <a:schemeClr val="tx1">
+                    <a:lumMod val="65000"/>
+                    <a:lumOff val="35000"/>
+                  </a:schemeClr>
+                </a:solidFill>
+              </a:rPr>
+              <a:t>// </a:t>
+            </a:r>
+            <a:r>
+              <a:rPr lang="zh-CN" altLang="en-US" sz="1200">
+                <a:solidFill>
+                  <a:schemeClr val="tx1">
+                    <a:lumMod val="65000"/>
+                    <a:lumOff val="35000"/>
+                  </a:schemeClr>
+                </a:solidFill>
+              </a:rPr>
+              <a:t>指定名字的线程数</a:t>
+            </a:r>
+            <a:endParaRPr lang="en-US" altLang="zh-CN" sz="1200">
+              <a:solidFill>
+                <a:schemeClr val="tx1">
+                  <a:lumMod val="65000"/>
+                  <a:lumOff val="35000"/>
+                </a:schemeClr>
+              </a:solidFill>
+            </a:endParaRPr>
+          </a:p>
+          <a:p>
+            <a:pPr marL="285750" indent="-285750" algn="l">
+              <a:buFont typeface="Arial" panose="020B0604020202020204" pitchFamily="34" charset="0"/>
+              <a:buChar char="•"/>
+            </a:pPr>
+            <a:r>
+              <a:rPr lang="en-US" altLang="zh-CN" sz="1200">
+                <a:solidFill>
+                  <a:schemeClr val="tx1">
+                    <a:lumMod val="65000"/>
+                    <a:lumOff val="35000"/>
+                  </a:schemeClr>
+                </a:solidFill>
+              </a:rPr>
+              <a:t>int32 NumNamedThreads;</a:t>
+            </a:r>
+            <a:endParaRPr lang="en-US" altLang="zh-CN" sz="1200">
+              <a:solidFill>
+                <a:schemeClr val="tx1">
+                  <a:lumMod val="65000"/>
+                  <a:lumOff val="35000"/>
+                </a:schemeClr>
+              </a:solidFill>
+            </a:endParaRPr>
+          </a:p>
+          <a:p>
+            <a:pPr indent="0" algn="l">
+              <a:buFont typeface="Arial" panose="020B0604020202020204" pitchFamily="34" charset="0"/>
+              <a:buNone/>
+            </a:pPr>
+            <a:r>
+              <a:rPr lang="en-US" altLang="zh-CN" sz="1200">
+                <a:solidFill>
+                  <a:schemeClr val="tx1">
+                    <a:lumMod val="65000"/>
+                    <a:lumOff val="35000"/>
+                  </a:schemeClr>
+                </a:solidFill>
+              </a:rPr>
+              <a:t>// </a:t>
+            </a:r>
+            <a:r>
+              <a:rPr lang="zh-CN" altLang="en-US" sz="1200">
+                <a:solidFill>
+                  <a:schemeClr val="tx1">
+                    <a:lumMod val="65000"/>
+                    <a:lumOff val="35000"/>
+                  </a:schemeClr>
+                </a:solidFill>
+              </a:rPr>
+              <a:t>有多少种</a:t>
+            </a:r>
+            <a:r>
+              <a:rPr lang="zh-CN" altLang="en-US" sz="1200">
+                <a:solidFill>
+                  <a:schemeClr val="tx1">
+                    <a:lumMod val="65000"/>
+                    <a:lumOff val="35000"/>
+                  </a:schemeClr>
+                </a:solidFill>
+              </a:rPr>
+              <a:t>优先级处理普通任务，一般普通，高，低</a:t>
+            </a:r>
+            <a:r>
+              <a:rPr lang="en-US" altLang="zh-CN" sz="1200">
+                <a:solidFill>
+                  <a:schemeClr val="tx1">
+                    <a:lumMod val="65000"/>
+                    <a:lumOff val="35000"/>
+                  </a:schemeClr>
+                </a:solidFill>
+              </a:rPr>
+              <a:t>3</a:t>
+            </a:r>
+            <a:r>
+              <a:rPr lang="zh-CN" altLang="en-US" sz="1200">
+                <a:solidFill>
+                  <a:schemeClr val="tx1">
+                    <a:lumMod val="65000"/>
+                    <a:lumOff val="35000"/>
+                  </a:schemeClr>
+                </a:solidFill>
+              </a:rPr>
+              <a:t>种</a:t>
+            </a:r>
+            <a:endParaRPr lang="en-US" altLang="zh-CN" sz="1200">
+              <a:solidFill>
+                <a:schemeClr val="tx1">
+                  <a:lumMod val="65000"/>
+                  <a:lumOff val="35000"/>
+                </a:schemeClr>
+              </a:solidFill>
+            </a:endParaRPr>
+          </a:p>
+          <a:p>
+            <a:pPr marL="285750" indent="-285750" algn="l">
+              <a:buFont typeface="Arial" panose="020B0604020202020204" pitchFamily="34" charset="0"/>
+              <a:buChar char="•"/>
+            </a:pPr>
+            <a:r>
+              <a:rPr lang="en-US" altLang="zh-CN" sz="1200">
+                <a:solidFill>
+                  <a:schemeClr val="tx1">
+                    <a:lumMod val="65000"/>
+                    <a:lumOff val="35000"/>
+                  </a:schemeClr>
+                </a:solidFill>
+              </a:rPr>
+              <a:t>int32 NumTaskThreadSets;</a:t>
+            </a:r>
+            <a:endParaRPr lang="en-US" altLang="zh-CN" sz="1200">
+              <a:solidFill>
+                <a:schemeClr val="tx1">
+                  <a:lumMod val="65000"/>
+                  <a:lumOff val="35000"/>
+                </a:schemeClr>
+              </a:solidFill>
+            </a:endParaRPr>
+          </a:p>
+          <a:p>
+            <a:pPr indent="0" algn="l">
+              <a:buFont typeface="Arial" panose="020B0604020202020204" pitchFamily="34" charset="0"/>
+              <a:buNone/>
+            </a:pPr>
+            <a:r>
+              <a:rPr lang="en-US" altLang="zh-CN" sz="1200">
+                <a:solidFill>
+                  <a:schemeClr val="tx1">
+                    <a:lumMod val="65000"/>
+                    <a:lumOff val="35000"/>
+                  </a:schemeClr>
+                </a:solidFill>
+              </a:rPr>
+              <a:t>// </a:t>
+            </a:r>
+            <a:r>
+              <a:rPr lang="zh-CN" altLang="en-US" sz="1200">
+                <a:solidFill>
+                  <a:schemeClr val="tx1">
+                    <a:lumMod val="65000"/>
+                    <a:lumOff val="35000"/>
+                  </a:schemeClr>
+                </a:solidFill>
+              </a:rPr>
+              <a:t>每种优先级的线程数</a:t>
+            </a:r>
+            <a:endParaRPr lang="en-US" altLang="zh-CN" sz="1200">
+              <a:solidFill>
+                <a:schemeClr val="tx1">
+                  <a:lumMod val="65000"/>
+                  <a:lumOff val="35000"/>
+                </a:schemeClr>
+              </a:solidFill>
+            </a:endParaRPr>
+          </a:p>
+          <a:p>
+            <a:pPr marL="285750" indent="-285750" algn="l">
+              <a:buFont typeface="Arial" panose="020B0604020202020204" pitchFamily="34" charset="0"/>
+              <a:buChar char="•"/>
+            </a:pPr>
+            <a:r>
+              <a:rPr lang="en-US" altLang="zh-CN" sz="1200">
+                <a:solidFill>
+                  <a:schemeClr val="tx1">
+                    <a:lumMod val="65000"/>
+                    <a:lumOff val="35000"/>
+                  </a:schemeClr>
+                </a:solidFill>
+              </a:rPr>
+              <a:t>int32 NumTaskThreadsPerSet;</a:t>
+            </a:r>
+            <a:endParaRPr lang="en-US" altLang="zh-CN" sz="1200">
+              <a:solidFill>
+                <a:schemeClr val="tx1">
+                  <a:lumMod val="65000"/>
+                  <a:lumOff val="35000"/>
+                </a:schemeClr>
+              </a:solidFill>
+            </a:endParaRPr>
+          </a:p>
+          <a:p>
+            <a:pPr indent="0" algn="l">
+              <a:buFont typeface="Arial" panose="020B0604020202020204" pitchFamily="34" charset="0"/>
+              <a:buNone/>
+            </a:pPr>
+            <a:r>
+              <a:rPr lang="en-US" altLang="zh-CN" sz="1200">
+                <a:solidFill>
+                  <a:schemeClr val="tx1">
+                    <a:lumMod val="65000"/>
+                    <a:lumOff val="35000"/>
+                  </a:schemeClr>
+                </a:solidFill>
+              </a:rPr>
+              <a:t>// </a:t>
+            </a:r>
+            <a:r>
+              <a:rPr lang="zh-CN" altLang="en-US" sz="1200">
+                <a:solidFill>
+                  <a:schemeClr val="tx1">
+                    <a:lumMod val="65000"/>
+                    <a:lumOff val="35000"/>
+                  </a:schemeClr>
+                </a:solidFill>
+              </a:rPr>
+              <a:t>位置，区分哪部分是指定名字线程</a:t>
+            </a:r>
+            <a:r>
+              <a:rPr lang="zh-CN" altLang="en-US" sz="1200">
+                <a:solidFill>
+                  <a:schemeClr val="tx1">
+                    <a:lumMod val="65000"/>
+                    <a:lumOff val="35000"/>
+                  </a:schemeClr>
+                </a:solidFill>
+              </a:rPr>
+              <a:t>哪部分是未指定名字线程</a:t>
+            </a:r>
+            <a:endParaRPr lang="en-US" altLang="zh-CN" sz="1200">
+              <a:solidFill>
+                <a:schemeClr val="tx1">
+                  <a:lumMod val="65000"/>
+                  <a:lumOff val="35000"/>
+                </a:schemeClr>
+              </a:solidFill>
+            </a:endParaRPr>
+          </a:p>
+          <a:p>
+            <a:pPr marL="285750" indent="-285750" algn="l">
+              <a:buFont typeface="Arial" panose="020B0604020202020204" pitchFamily="34" charset="0"/>
+              <a:buChar char="•"/>
+            </a:pPr>
+            <a:r>
+              <a:rPr lang="en-US" altLang="zh-CN" sz="1200">
+                <a:solidFill>
+                  <a:schemeClr val="tx1">
+                    <a:lumMod val="65000"/>
+                    <a:lumOff val="35000"/>
+                  </a:schemeClr>
+                </a:solidFill>
+              </a:rPr>
+              <a:t>ENamedThreads::Type LastExternalThread;</a:t>
+            </a:r>
+            <a:endParaRPr lang="en-US" altLang="zh-CN" sz="1200">
+              <a:solidFill>
+                <a:schemeClr val="tx1">
+                  <a:lumMod val="65000"/>
+                  <a:lumOff val="35000"/>
+                </a:schemeClr>
+              </a:solidFill>
+            </a:endParaRPr>
+          </a:p>
+          <a:p>
+            <a:pPr indent="0" algn="l">
+              <a:buFont typeface="Arial" panose="020B0604020202020204" pitchFamily="34" charset="0"/>
+              <a:buNone/>
+            </a:pPr>
+            <a:r>
+              <a:rPr lang="en-US" altLang="zh-CN" sz="1200">
+                <a:solidFill>
+                  <a:schemeClr val="tx1">
+                    <a:lumMod val="65000"/>
+                    <a:lumOff val="35000"/>
+                  </a:schemeClr>
+                </a:solidFill>
+              </a:rPr>
+              <a:t>// </a:t>
+            </a:r>
+            <a:r>
+              <a:rPr lang="zh-CN" altLang="en-US" sz="1200">
+                <a:solidFill>
+                  <a:schemeClr val="tx1">
+                    <a:lumMod val="65000"/>
+                    <a:lumOff val="35000"/>
+                  </a:schemeClr>
+                </a:solidFill>
+              </a:rPr>
+              <a:t>普通任务队列，以优先级普通，高，低分</a:t>
+            </a:r>
+            <a:r>
+              <a:rPr lang="en-US" altLang="zh-CN" sz="1200">
+                <a:solidFill>
+                  <a:schemeClr val="tx1">
+                    <a:lumMod val="65000"/>
+                    <a:lumOff val="35000"/>
+                  </a:schemeClr>
+                </a:solidFill>
+              </a:rPr>
+              <a:t>2</a:t>
+            </a:r>
+            <a:r>
+              <a:rPr lang="zh-CN" altLang="en-US" sz="1200">
+                <a:solidFill>
+                  <a:schemeClr val="tx1">
+                    <a:lumMod val="65000"/>
+                    <a:lumOff val="35000"/>
+                  </a:schemeClr>
+                </a:solidFill>
+              </a:rPr>
+              <a:t>个队列</a:t>
+            </a:r>
+            <a:endParaRPr lang="en-US" altLang="zh-CN" sz="1200">
+              <a:solidFill>
+                <a:schemeClr val="tx1">
+                  <a:lumMod val="65000"/>
+                  <a:lumOff val="35000"/>
+                </a:schemeClr>
+              </a:solidFill>
+            </a:endParaRPr>
+          </a:p>
+          <a:p>
+            <a:pPr marL="285750" indent="-285750" algn="l">
+              <a:buFont typeface="Arial" panose="020B0604020202020204" pitchFamily="34" charset="0"/>
+              <a:buChar char="•"/>
+            </a:pPr>
+            <a:r>
+              <a:rPr lang="en-US" altLang="zh-CN" sz="1200">
+                <a:solidFill>
+                  <a:schemeClr val="tx1">
+                    <a:lumMod val="65000"/>
+                    <a:lumOff val="35000"/>
+                  </a:schemeClr>
+                </a:solidFill>
+              </a:rPr>
+              <a:t>FStallingTaskQueue&lt;FBaseGraphTask, PLATFORM_CACHE_LINE_SIZE, 2&gt; IncomingAnyThreadTasks[MAX_THREAD_PRIORITIES];</a:t>
+            </a:r>
+            <a:endParaRPr lang="en-US" altLang="zh-CN" sz="1200">
+              <a:solidFill>
+                <a:schemeClr val="tx1">
+                  <a:lumMod val="65000"/>
+                  <a:lumOff val="35000"/>
+                </a:schemeClr>
+              </a:solidFill>
+            </a:endParaRPr>
+          </a:p>
+        </p:txBody>
+      </p:sp>
+      <p:pic>
+        <p:nvPicPr>
+          <p:cNvPr id="5" name="图片 4" descr="P3_03"/>
+          <p:cNvPicPr>
+            <a:picLocks noChangeAspect="1"/>
+          </p:cNvPicPr>
+          <p:nvPr/>
+        </p:nvPicPr>
+        <p:blipFill>
+          <a:blip r:embed="rId1"/>
+          <a:stretch>
+            <a:fillRect/>
+          </a:stretch>
+        </p:blipFill>
+        <p:spPr>
+          <a:xfrm>
+            <a:off x="4763770" y="309245"/>
+            <a:ext cx="7428230" cy="6548755"/>
+          </a:xfrm>
+          <a:prstGeom prst="rect">
+            <a:avLst/>
+          </a:prstGeom>
+        </p:spPr>
+      </p:pic>
     </p:spTree>
     <p:custDataLst>
-      <p:tags r:id="rId1"/>
+      <p:tags r:id="rId2"/>
+    </p:custDataLst>
+  </p:cSld>
+  <p:clrMapOvr>
+    <a:masterClrMapping/>
+  </p:clrMapOvr>
+</p:sld>
+</file>
+
+<file path=ppt/slides/slide19.xml><?xml version="1.0" encoding="utf-8"?>
+<p:sld xmlns:a="http://schemas.openxmlformats.org/drawingml/2006/main" xmlns:r="http://schemas.openxmlformats.org/officeDocument/2006/relationships" xmlns:p="http://schemas.openxmlformats.org/presentationml/2006/main">
+  <p:cSld>
+    <p:spTree>
+      <p:nvGrpSpPr>
+        <p:cNvPr id="1" name=""/>
+        <p:cNvGrpSpPr/>
+        <p:nvPr/>
+      </p:nvGrpSpPr>
+      <p:grpSpPr/>
+      <p:sp>
+        <p:nvSpPr>
+          <p:cNvPr id="2" name="标题 1"/>
+          <p:cNvSpPr>
+            <a:spLocks noGrp="1"/>
+          </p:cNvSpPr>
+          <p:nvPr>
+            <p:ph type="title"/>
+          </p:nvPr>
+        </p:nvSpPr>
+        <p:spPr>
+          <a:xfrm>
+            <a:off x="70" y="70"/>
+            <a:ext cx="10969200" cy="705600"/>
+          </a:xfrm>
+        </p:spPr>
+        <p:txBody>
+          <a:bodyPr/>
+          <a:p>
+            <a:r>
+              <a:rPr lang="en-US" altLang="zh-CN">
+                <a:sym typeface="+mn-ea"/>
+              </a:rPr>
+              <a:t>TaskGraph</a:t>
+            </a:r>
+            <a:r>
+              <a:rPr lang="zh-CN" altLang="en-US">
+                <a:sym typeface="+mn-ea"/>
+              </a:rPr>
+              <a:t>执行</a:t>
+            </a:r>
+            <a:r>
+              <a:rPr lang="zh-CN" altLang="en-US">
+                <a:sym typeface="+mn-ea"/>
+              </a:rPr>
+              <a:t>流程</a:t>
+            </a:r>
+            <a:endParaRPr lang="zh-CN" altLang="en-US">
+              <a:sym typeface="+mn-ea"/>
+            </a:endParaRPr>
+          </a:p>
+        </p:txBody>
+      </p:sp>
+      <p:sp>
+        <p:nvSpPr>
+          <p:cNvPr id="7" name="文本框 6"/>
+          <p:cNvSpPr txBox="1"/>
+          <p:nvPr/>
+        </p:nvSpPr>
+        <p:spPr>
+          <a:xfrm>
+            <a:off x="0" y="705485"/>
+            <a:ext cx="4763135" cy="2306955"/>
+          </a:xfrm>
+          <a:prstGeom prst="rect">
+            <a:avLst/>
+          </a:prstGeom>
+          <a:noFill/>
+        </p:spPr>
+        <p:txBody>
+          <a:bodyPr wrap="square" rtlCol="0">
+            <a:spAutoFit/>
+          </a:bodyPr>
+          <a:p>
+            <a:pPr marL="342900" indent="-342900" algn="l">
+              <a:buAutoNum type="arabicPeriod"/>
+            </a:pPr>
+            <a:r>
+              <a:rPr lang="zh-CN" altLang="en-US">
+                <a:solidFill>
+                  <a:schemeClr val="tx1">
+                    <a:lumMod val="65000"/>
+                    <a:lumOff val="35000"/>
+                  </a:schemeClr>
+                </a:solidFill>
+                <a:sym typeface="+mn-ea"/>
+              </a:rPr>
+              <a:t>用ThreadId得出优先级，然后用优先级在IncomingAnyThreadTasks找到对应优先度的任务队列后</a:t>
+            </a:r>
+            <a:r>
+              <a:rPr lang="en-US" altLang="zh-CN">
+                <a:solidFill>
+                  <a:schemeClr val="tx1">
+                    <a:lumMod val="65000"/>
+                    <a:lumOff val="35000"/>
+                  </a:schemeClr>
+                </a:solidFill>
+                <a:sym typeface="+mn-ea"/>
+              </a:rPr>
+              <a:t>pop</a:t>
+            </a:r>
+            <a:r>
+              <a:rPr lang="zh-CN" altLang="en-US">
+                <a:solidFill>
+                  <a:schemeClr val="tx1">
+                    <a:lumMod val="65000"/>
+                    <a:lumOff val="35000"/>
+                  </a:schemeClr>
+                </a:solidFill>
+                <a:sym typeface="+mn-ea"/>
+              </a:rPr>
+              <a:t>一个任务</a:t>
+            </a:r>
+            <a:r>
+              <a:rPr lang="zh-CN" altLang="en-US">
+                <a:solidFill>
+                  <a:schemeClr val="tx1">
+                    <a:lumMod val="65000"/>
+                    <a:lumOff val="35000"/>
+                  </a:schemeClr>
+                </a:solidFill>
+                <a:sym typeface="+mn-ea"/>
+              </a:rPr>
+              <a:t>出来。</a:t>
+            </a:r>
+            <a:endParaRPr lang="zh-CN" altLang="en-US">
+              <a:solidFill>
+                <a:schemeClr val="tx1">
+                  <a:lumMod val="65000"/>
+                  <a:lumOff val="35000"/>
+                </a:schemeClr>
+              </a:solidFill>
+              <a:sym typeface="+mn-ea"/>
+            </a:endParaRPr>
+          </a:p>
+          <a:p>
+            <a:pPr marL="342900" indent="-342900" algn="l">
+              <a:buAutoNum type="arabicPeriod"/>
+            </a:pPr>
+            <a:endParaRPr lang="zh-CN" altLang="en-US">
+              <a:solidFill>
+                <a:schemeClr val="tx1">
+                  <a:lumMod val="65000"/>
+                  <a:lumOff val="35000"/>
+                </a:schemeClr>
+              </a:solidFill>
+              <a:sym typeface="+mn-ea"/>
+            </a:endParaRPr>
+          </a:p>
+          <a:p>
+            <a:pPr marL="342900" indent="-342900" algn="l">
+              <a:buAutoNum type="arabicPeriod"/>
+            </a:pPr>
+            <a:r>
+              <a:rPr lang="zh-CN" altLang="en-US">
+                <a:solidFill>
+                  <a:schemeClr val="tx1">
+                    <a:lumMod val="65000"/>
+                    <a:lumOff val="35000"/>
+                  </a:schemeClr>
+                </a:solidFill>
+                <a:sym typeface="+mn-ea"/>
+              </a:rPr>
+              <a:t>如果没有任务，那么StallRestartEvent事件</a:t>
+            </a:r>
+            <a:r>
+              <a:rPr lang="zh-CN" altLang="en-US">
+                <a:solidFill>
+                  <a:schemeClr val="tx1">
+                    <a:lumMod val="65000"/>
+                    <a:lumOff val="35000"/>
+                  </a:schemeClr>
+                </a:solidFill>
+                <a:sym typeface="+mn-ea"/>
+              </a:rPr>
+              <a:t>挂起。</a:t>
+            </a:r>
+            <a:endParaRPr lang="zh-CN" altLang="en-US">
+              <a:solidFill>
+                <a:schemeClr val="tx1">
+                  <a:lumMod val="65000"/>
+                  <a:lumOff val="35000"/>
+                </a:schemeClr>
+              </a:solidFill>
+              <a:sym typeface="+mn-ea"/>
+            </a:endParaRPr>
+          </a:p>
+          <a:p>
+            <a:pPr marL="342900" indent="-342900" algn="l">
+              <a:buAutoNum type="arabicPeriod"/>
+            </a:pPr>
+            <a:endParaRPr lang="zh-CN" altLang="en-US">
+              <a:solidFill>
+                <a:schemeClr val="tx1">
+                  <a:lumMod val="65000"/>
+                  <a:lumOff val="35000"/>
+                </a:schemeClr>
+              </a:solidFill>
+              <a:sym typeface="+mn-ea"/>
+            </a:endParaRPr>
+          </a:p>
+          <a:p>
+            <a:pPr marL="342900" indent="-342900" algn="l">
+              <a:buAutoNum type="arabicPeriod"/>
+            </a:pPr>
+            <a:r>
+              <a:rPr lang="zh-CN" altLang="en-US">
+                <a:solidFill>
+                  <a:schemeClr val="tx1">
+                    <a:lumMod val="65000"/>
+                    <a:lumOff val="35000"/>
+                  </a:schemeClr>
+                </a:solidFill>
+                <a:sym typeface="+mn-ea"/>
+              </a:rPr>
+              <a:t>找到任务的话，就</a:t>
+            </a:r>
+            <a:r>
+              <a:rPr lang="zh-CN" altLang="en-US">
+                <a:solidFill>
+                  <a:schemeClr val="tx1">
+                    <a:lumMod val="65000"/>
+                    <a:lumOff val="35000"/>
+                  </a:schemeClr>
+                </a:solidFill>
+                <a:sym typeface="+mn-ea"/>
+              </a:rPr>
+              <a:t>执行。</a:t>
+            </a:r>
+            <a:endParaRPr lang="zh-CN" altLang="en-US">
+              <a:solidFill>
+                <a:schemeClr val="tx1">
+                  <a:lumMod val="65000"/>
+                  <a:lumOff val="35000"/>
+                </a:schemeClr>
+              </a:solidFill>
+              <a:sym typeface="+mn-ea"/>
+            </a:endParaRPr>
+          </a:p>
+        </p:txBody>
+      </p:sp>
+      <p:pic>
+        <p:nvPicPr>
+          <p:cNvPr id="3" name="图片 2" descr="P3_04"/>
+          <p:cNvPicPr>
+            <a:picLocks noChangeAspect="1"/>
+          </p:cNvPicPr>
+          <p:nvPr/>
+        </p:nvPicPr>
+        <p:blipFill>
+          <a:blip r:embed="rId1"/>
+          <a:stretch>
+            <a:fillRect/>
+          </a:stretch>
+        </p:blipFill>
+        <p:spPr>
+          <a:xfrm>
+            <a:off x="6091555" y="0"/>
+            <a:ext cx="6100445" cy="6858000"/>
+          </a:xfrm>
+          <a:prstGeom prst="rect">
+            <a:avLst/>
+          </a:prstGeom>
+        </p:spPr>
+      </p:pic>
+    </p:spTree>
+    <p:custDataLst>
+      <p:tags r:id="rId2"/>
     </p:custDataLst>
   </p:cSld>
   <p:clrMapOvr>
@@ -6501,6 +7519,972 @@
     </p:spTree>
     <p:custDataLst>
       <p:tags r:id="rId1"/>
+    </p:custDataLst>
+  </p:cSld>
+  <p:clrMapOvr>
+    <a:masterClrMapping/>
+  </p:clrMapOvr>
+</p:sld>
+</file>
+
+<file path=ppt/slides/slide20.xml><?xml version="1.0" encoding="utf-8"?>
+<p:sld xmlns:a="http://schemas.openxmlformats.org/drawingml/2006/main" xmlns:r="http://schemas.openxmlformats.org/officeDocument/2006/relationships" xmlns:p="http://schemas.openxmlformats.org/presentationml/2006/main">
+  <p:cSld>
+    <p:spTree>
+      <p:nvGrpSpPr>
+        <p:cNvPr id="1" name=""/>
+        <p:cNvGrpSpPr/>
+        <p:nvPr/>
+      </p:nvGrpSpPr>
+      <p:grpSpPr/>
+      <p:sp>
+        <p:nvSpPr>
+          <p:cNvPr id="2" name="标题 1"/>
+          <p:cNvSpPr>
+            <a:spLocks noGrp="1"/>
+          </p:cNvSpPr>
+          <p:nvPr>
+            <p:ph type="title"/>
+          </p:nvPr>
+        </p:nvSpPr>
+        <p:spPr>
+          <a:xfrm>
+            <a:off x="70" y="70"/>
+            <a:ext cx="10969200" cy="705600"/>
+          </a:xfrm>
+        </p:spPr>
+        <p:txBody>
+          <a:bodyPr/>
+          <a:p>
+            <a:r>
+              <a:rPr lang="en-US" altLang="zh-CN">
+                <a:sym typeface="+mn-ea"/>
+              </a:rPr>
+              <a:t>TaskGraph</a:t>
+            </a:r>
+            <a:r>
+              <a:rPr lang="zh-CN" altLang="en-US">
+                <a:sym typeface="+mn-ea"/>
+              </a:rPr>
+              <a:t>执行</a:t>
+            </a:r>
+            <a:r>
+              <a:rPr lang="zh-CN" altLang="en-US">
+                <a:sym typeface="+mn-ea"/>
+              </a:rPr>
+              <a:t>流程</a:t>
+            </a:r>
+            <a:endParaRPr lang="zh-CN" altLang="en-US">
+              <a:sym typeface="+mn-ea"/>
+            </a:endParaRPr>
+          </a:p>
+        </p:txBody>
+      </p:sp>
+      <p:sp>
+        <p:nvSpPr>
+          <p:cNvPr id="7" name="文本框 6"/>
+          <p:cNvSpPr txBox="1"/>
+          <p:nvPr/>
+        </p:nvSpPr>
+        <p:spPr>
+          <a:xfrm>
+            <a:off x="0" y="705485"/>
+            <a:ext cx="5510530" cy="3969385"/>
+          </a:xfrm>
+          <a:prstGeom prst="rect">
+            <a:avLst/>
+          </a:prstGeom>
+          <a:noFill/>
+        </p:spPr>
+        <p:txBody>
+          <a:bodyPr wrap="square" rtlCol="0">
+            <a:spAutoFit/>
+          </a:bodyPr>
+          <a:p>
+            <a:pPr marL="342900" indent="-342900" algn="l">
+              <a:buAutoNum type="arabicPeriod"/>
+            </a:pPr>
+            <a:r>
+              <a:rPr lang="zh-CN" altLang="en-US">
+                <a:solidFill>
+                  <a:schemeClr val="tx1">
+                    <a:lumMod val="65000"/>
+                    <a:lumOff val="35000"/>
+                  </a:schemeClr>
+                </a:solidFill>
+                <a:sym typeface="+mn-ea"/>
+              </a:rPr>
+              <a:t>可以调DontCompleteUntil方法设置某些任务完成后，再</a:t>
+            </a:r>
+            <a:r>
+              <a:rPr lang="zh-CN" altLang="en-US">
+                <a:solidFill>
+                  <a:schemeClr val="tx1">
+                    <a:lumMod val="65000"/>
+                    <a:lumOff val="35000"/>
+                  </a:schemeClr>
+                </a:solidFill>
+                <a:sym typeface="+mn-ea"/>
+              </a:rPr>
+              <a:t>继续本任务的后续</a:t>
+            </a:r>
+            <a:r>
+              <a:rPr lang="zh-CN" altLang="en-US">
+                <a:solidFill>
+                  <a:schemeClr val="tx1">
+                    <a:lumMod val="65000"/>
+                    <a:lumOff val="35000"/>
+                  </a:schemeClr>
+                </a:solidFill>
+                <a:sym typeface="+mn-ea"/>
+              </a:rPr>
+              <a:t>任务。</a:t>
+            </a:r>
+            <a:endParaRPr lang="zh-CN" altLang="en-US">
+              <a:solidFill>
+                <a:schemeClr val="tx1">
+                  <a:lumMod val="65000"/>
+                  <a:lumOff val="35000"/>
+                </a:schemeClr>
+              </a:solidFill>
+              <a:sym typeface="+mn-ea"/>
+            </a:endParaRPr>
+          </a:p>
+          <a:p>
+            <a:pPr marL="342900" indent="-342900" algn="l">
+              <a:buAutoNum type="arabicPeriod"/>
+            </a:pPr>
+            <a:endParaRPr lang="zh-CN" altLang="en-US">
+              <a:solidFill>
+                <a:schemeClr val="tx1">
+                  <a:lumMod val="65000"/>
+                  <a:lumOff val="35000"/>
+                </a:schemeClr>
+              </a:solidFill>
+              <a:sym typeface="+mn-ea"/>
+            </a:endParaRPr>
+          </a:p>
+          <a:p>
+            <a:pPr marL="342900" indent="-342900" algn="l">
+              <a:buAutoNum type="arabicPeriod"/>
+            </a:pPr>
+            <a:r>
+              <a:rPr lang="zh-CN" altLang="en-US">
+                <a:solidFill>
+                  <a:schemeClr val="tx1">
+                    <a:lumMod val="65000"/>
+                    <a:lumOff val="35000"/>
+                  </a:schemeClr>
+                </a:solidFill>
+                <a:sym typeface="+mn-ea"/>
+              </a:rPr>
+              <a:t>执行本任务，DoTask方法执行用户定义的逻辑，手动调~TTask方法析构是因为构造的时候</a:t>
+            </a:r>
+            <a:r>
+              <a:rPr lang="en-US" altLang="zh-CN">
+                <a:solidFill>
+                  <a:schemeClr val="tx1">
+                    <a:lumMod val="65000"/>
+                    <a:lumOff val="35000"/>
+                  </a:schemeClr>
+                </a:solidFill>
+                <a:sym typeface="+mn-ea"/>
+              </a:rPr>
+              <a:t>new</a:t>
+            </a:r>
+            <a:r>
+              <a:rPr lang="zh-CN" altLang="en-US">
+                <a:solidFill>
+                  <a:schemeClr val="tx1">
+                    <a:lumMod val="65000"/>
+                    <a:lumOff val="35000"/>
+                  </a:schemeClr>
+                </a:solidFill>
+                <a:sym typeface="+mn-ea"/>
+              </a:rPr>
+              <a:t>在指定的TaskStorage地址上</a:t>
+            </a:r>
+            <a:r>
+              <a:rPr lang="zh-CN" altLang="en-US">
+                <a:solidFill>
+                  <a:schemeClr val="tx1">
+                    <a:lumMod val="65000"/>
+                    <a:lumOff val="35000"/>
+                  </a:schemeClr>
+                </a:solidFill>
+                <a:sym typeface="+mn-ea"/>
+              </a:rPr>
+              <a:t>的。</a:t>
+            </a:r>
+            <a:endParaRPr lang="zh-CN" altLang="en-US">
+              <a:solidFill>
+                <a:schemeClr val="tx1">
+                  <a:lumMod val="65000"/>
+                  <a:lumOff val="35000"/>
+                </a:schemeClr>
+              </a:solidFill>
+              <a:sym typeface="+mn-ea"/>
+            </a:endParaRPr>
+          </a:p>
+          <a:p>
+            <a:pPr marL="342900" indent="-342900" algn="l">
+              <a:buAutoNum type="arabicPeriod"/>
+            </a:pPr>
+            <a:endParaRPr lang="zh-CN" altLang="en-US">
+              <a:solidFill>
+                <a:schemeClr val="tx1">
+                  <a:lumMod val="65000"/>
+                  <a:lumOff val="35000"/>
+                </a:schemeClr>
+              </a:solidFill>
+              <a:sym typeface="+mn-ea"/>
+            </a:endParaRPr>
+          </a:p>
+          <a:p>
+            <a:pPr marL="342900" indent="-342900" algn="l">
+              <a:buAutoNum type="arabicPeriod"/>
+            </a:pPr>
+            <a:r>
+              <a:rPr lang="zh-CN" altLang="en-US">
+                <a:solidFill>
+                  <a:schemeClr val="tx1">
+                    <a:lumMod val="65000"/>
+                    <a:lumOff val="35000"/>
+                  </a:schemeClr>
+                </a:solidFill>
+                <a:sym typeface="+mn-ea"/>
+              </a:rPr>
+              <a:t>告诉所有后续任务，本任务已完成。实际就是所有后续任务的NumberOfPrerequistitesOutstanding（表示未完成的前置任务数）减</a:t>
+            </a:r>
+            <a:r>
+              <a:rPr lang="en-US" altLang="zh-CN">
+                <a:solidFill>
+                  <a:schemeClr val="tx1">
+                    <a:lumMod val="65000"/>
+                    <a:lumOff val="35000"/>
+                  </a:schemeClr>
+                </a:solidFill>
+                <a:sym typeface="+mn-ea"/>
+              </a:rPr>
+              <a:t>1</a:t>
+            </a:r>
+            <a:r>
+              <a:rPr lang="zh-CN" altLang="en-US">
+                <a:solidFill>
+                  <a:schemeClr val="tx1">
+                    <a:lumMod val="65000"/>
+                    <a:lumOff val="35000"/>
+                  </a:schemeClr>
+                </a:solidFill>
+                <a:sym typeface="+mn-ea"/>
+              </a:rPr>
+              <a:t>，当减到</a:t>
+            </a:r>
+            <a:r>
+              <a:rPr lang="en-US" altLang="zh-CN">
+                <a:solidFill>
+                  <a:schemeClr val="tx1">
+                    <a:lumMod val="65000"/>
+                    <a:lumOff val="35000"/>
+                  </a:schemeClr>
+                </a:solidFill>
+                <a:sym typeface="+mn-ea"/>
+              </a:rPr>
+              <a:t>0</a:t>
+            </a:r>
+            <a:r>
+              <a:rPr lang="zh-CN" altLang="en-US">
+                <a:solidFill>
+                  <a:schemeClr val="tx1">
+                    <a:lumMod val="65000"/>
+                    <a:lumOff val="35000"/>
+                  </a:schemeClr>
+                </a:solidFill>
+                <a:sym typeface="+mn-ea"/>
+              </a:rPr>
+              <a:t>的时候，后续任务就会添加到任务队列</a:t>
+            </a:r>
+            <a:r>
+              <a:rPr lang="zh-CN" altLang="en-US">
+                <a:solidFill>
+                  <a:schemeClr val="tx1">
+                    <a:lumMod val="65000"/>
+                    <a:lumOff val="35000"/>
+                  </a:schemeClr>
+                </a:solidFill>
+                <a:sym typeface="+mn-ea"/>
+              </a:rPr>
+              <a:t>里。</a:t>
+            </a:r>
+            <a:endParaRPr lang="zh-CN" altLang="en-US">
+              <a:solidFill>
+                <a:schemeClr val="tx1">
+                  <a:lumMod val="65000"/>
+                  <a:lumOff val="35000"/>
+                </a:schemeClr>
+              </a:solidFill>
+              <a:sym typeface="+mn-ea"/>
+            </a:endParaRPr>
+          </a:p>
+          <a:p>
+            <a:pPr marL="342900" indent="-342900" algn="l">
+              <a:buAutoNum type="arabicPeriod"/>
+            </a:pPr>
+            <a:endParaRPr lang="en-US" altLang="zh-CN">
+              <a:solidFill>
+                <a:schemeClr val="tx1">
+                  <a:lumMod val="65000"/>
+                  <a:lumOff val="35000"/>
+                </a:schemeClr>
+              </a:solidFill>
+              <a:sym typeface="+mn-ea"/>
+            </a:endParaRPr>
+          </a:p>
+          <a:p>
+            <a:pPr marL="342900" indent="-342900" algn="l">
+              <a:buAutoNum type="arabicPeriod"/>
+            </a:pPr>
+            <a:r>
+              <a:rPr lang="zh-CN" altLang="en-US">
+                <a:solidFill>
+                  <a:schemeClr val="tx1">
+                    <a:lumMod val="65000"/>
+                    <a:lumOff val="35000"/>
+                  </a:schemeClr>
+                </a:solidFill>
+                <a:sym typeface="+mn-ea"/>
+              </a:rPr>
+              <a:t>一些清理</a:t>
+            </a:r>
+            <a:r>
+              <a:rPr lang="zh-CN" altLang="en-US">
+                <a:solidFill>
+                  <a:schemeClr val="tx1">
+                    <a:lumMod val="65000"/>
+                    <a:lumOff val="35000"/>
+                  </a:schemeClr>
+                </a:solidFill>
+                <a:sym typeface="+mn-ea"/>
+              </a:rPr>
+              <a:t>工作。</a:t>
+            </a:r>
+            <a:endParaRPr lang="zh-CN" altLang="en-US">
+              <a:solidFill>
+                <a:schemeClr val="tx1">
+                  <a:lumMod val="65000"/>
+                  <a:lumOff val="35000"/>
+                </a:schemeClr>
+              </a:solidFill>
+              <a:sym typeface="+mn-ea"/>
+            </a:endParaRPr>
+          </a:p>
+        </p:txBody>
+      </p:sp>
+      <p:pic>
+        <p:nvPicPr>
+          <p:cNvPr id="4" name="图片 3" descr="P3_05"/>
+          <p:cNvPicPr>
+            <a:picLocks noChangeAspect="1"/>
+          </p:cNvPicPr>
+          <p:nvPr/>
+        </p:nvPicPr>
+        <p:blipFill>
+          <a:blip r:embed="rId1"/>
+          <a:stretch>
+            <a:fillRect/>
+          </a:stretch>
+        </p:blipFill>
+        <p:spPr>
+          <a:xfrm>
+            <a:off x="5695950" y="705485"/>
+            <a:ext cx="6496050" cy="5572125"/>
+          </a:xfrm>
+          <a:prstGeom prst="rect">
+            <a:avLst/>
+          </a:prstGeom>
+        </p:spPr>
+      </p:pic>
+    </p:spTree>
+    <p:custDataLst>
+      <p:tags r:id="rId2"/>
+    </p:custDataLst>
+  </p:cSld>
+  <p:clrMapOvr>
+    <a:masterClrMapping/>
+  </p:clrMapOvr>
+</p:sld>
+</file>
+
+<file path=ppt/slides/slide21.xml><?xml version="1.0" encoding="utf-8"?>
+<p:sld xmlns:a="http://schemas.openxmlformats.org/drawingml/2006/main" xmlns:r="http://schemas.openxmlformats.org/officeDocument/2006/relationships" xmlns:p="http://schemas.openxmlformats.org/presentationml/2006/main">
+  <p:cSld>
+    <p:spTree>
+      <p:nvGrpSpPr>
+        <p:cNvPr id="1" name=""/>
+        <p:cNvGrpSpPr/>
+        <p:nvPr/>
+      </p:nvGrpSpPr>
+      <p:grpSpPr/>
+      <p:sp>
+        <p:nvSpPr>
+          <p:cNvPr id="2" name="标题 1"/>
+          <p:cNvSpPr>
+            <a:spLocks noGrp="1"/>
+          </p:cNvSpPr>
+          <p:nvPr>
+            <p:ph type="title"/>
+          </p:nvPr>
+        </p:nvSpPr>
+        <p:spPr>
+          <a:xfrm>
+            <a:off x="70" y="70"/>
+            <a:ext cx="10969200" cy="705600"/>
+          </a:xfrm>
+        </p:spPr>
+        <p:txBody>
+          <a:bodyPr/>
+          <a:p>
+            <a:r>
+              <a:rPr lang="en-US" altLang="zh-CN">
+                <a:sym typeface="+mn-ea"/>
+              </a:rPr>
+              <a:t>TaskGraph</a:t>
+            </a:r>
+            <a:r>
+              <a:rPr lang="zh-CN" altLang="en-US">
+                <a:sym typeface="+mn-ea"/>
+              </a:rPr>
+              <a:t>执行</a:t>
+            </a:r>
+            <a:r>
+              <a:rPr lang="zh-CN" altLang="en-US">
+                <a:sym typeface="+mn-ea"/>
+              </a:rPr>
+              <a:t>流程</a:t>
+            </a:r>
+            <a:endParaRPr lang="zh-CN" altLang="en-US">
+              <a:sym typeface="+mn-ea"/>
+            </a:endParaRPr>
+          </a:p>
+        </p:txBody>
+      </p:sp>
+      <p:sp>
+        <p:nvSpPr>
+          <p:cNvPr id="7" name="文本框 6"/>
+          <p:cNvSpPr txBox="1"/>
+          <p:nvPr/>
+        </p:nvSpPr>
+        <p:spPr>
+          <a:xfrm>
+            <a:off x="0" y="705485"/>
+            <a:ext cx="4572000" cy="3138170"/>
+          </a:xfrm>
+          <a:prstGeom prst="rect">
+            <a:avLst/>
+          </a:prstGeom>
+          <a:noFill/>
+        </p:spPr>
+        <p:txBody>
+          <a:bodyPr wrap="square" rtlCol="0">
+            <a:spAutoFit/>
+          </a:bodyPr>
+          <a:p>
+            <a:pPr marL="342900" indent="-342900" algn="l">
+              <a:buAutoNum type="arabicPeriod"/>
+            </a:pPr>
+            <a:r>
+              <a:rPr lang="zh-CN" altLang="en-US">
+                <a:solidFill>
+                  <a:schemeClr val="tx1">
+                    <a:lumMod val="65000"/>
+                    <a:lumOff val="35000"/>
+                  </a:schemeClr>
+                </a:solidFill>
+                <a:sym typeface="+mn-ea"/>
+              </a:rPr>
+              <a:t>构造用户定义的</a:t>
+            </a:r>
+            <a:r>
+              <a:rPr lang="en-US" altLang="zh-CN">
+                <a:solidFill>
+                  <a:schemeClr val="tx1">
+                    <a:lumMod val="65000"/>
+                    <a:lumOff val="35000"/>
+                  </a:schemeClr>
+                </a:solidFill>
+                <a:sym typeface="+mn-ea"/>
+              </a:rPr>
+              <a:t>TTask</a:t>
+            </a:r>
+            <a:r>
+              <a:rPr lang="zh-CN" altLang="en-US">
+                <a:solidFill>
+                  <a:schemeClr val="tx1">
+                    <a:lumMod val="65000"/>
+                    <a:lumOff val="35000"/>
+                  </a:schemeClr>
+                </a:solidFill>
+                <a:sym typeface="+mn-ea"/>
+              </a:rPr>
+              <a:t>类，放到指定TaskStorage地址</a:t>
+            </a:r>
+            <a:r>
+              <a:rPr lang="zh-CN" altLang="en-US">
+                <a:solidFill>
+                  <a:schemeClr val="tx1">
+                    <a:lumMod val="65000"/>
+                    <a:lumOff val="35000"/>
+                  </a:schemeClr>
+                </a:solidFill>
+                <a:sym typeface="+mn-ea"/>
+              </a:rPr>
+              <a:t>上。</a:t>
+            </a:r>
+            <a:endParaRPr lang="zh-CN" altLang="en-US">
+              <a:solidFill>
+                <a:schemeClr val="tx1">
+                  <a:lumMod val="65000"/>
+                  <a:lumOff val="35000"/>
+                </a:schemeClr>
+              </a:solidFill>
+              <a:sym typeface="+mn-ea"/>
+            </a:endParaRPr>
+          </a:p>
+          <a:p>
+            <a:pPr marL="342900" indent="-342900" algn="l">
+              <a:buAutoNum type="arabicPeriod"/>
+            </a:pPr>
+            <a:endParaRPr lang="zh-CN" altLang="en-US">
+              <a:solidFill>
+                <a:schemeClr val="tx1">
+                  <a:lumMod val="65000"/>
+                  <a:lumOff val="35000"/>
+                </a:schemeClr>
+              </a:solidFill>
+              <a:sym typeface="+mn-ea"/>
+            </a:endParaRPr>
+          </a:p>
+          <a:p>
+            <a:pPr marL="342900" indent="-342900" algn="l">
+              <a:buAutoNum type="arabicPeriod"/>
+            </a:pPr>
+            <a:r>
+              <a:rPr lang="zh-CN" altLang="en-US">
+                <a:solidFill>
+                  <a:schemeClr val="tx1">
+                    <a:lumMod val="65000"/>
+                    <a:lumOff val="35000"/>
+                  </a:schemeClr>
+                </a:solidFill>
+                <a:sym typeface="+mn-ea"/>
+              </a:rPr>
+              <a:t>设置任务在</a:t>
+            </a:r>
+            <a:r>
+              <a:rPr lang="zh-CN" altLang="en-US">
+                <a:solidFill>
+                  <a:schemeClr val="tx1">
+                    <a:lumMod val="65000"/>
+                    <a:lumOff val="35000"/>
+                  </a:schemeClr>
+                </a:solidFill>
+                <a:sym typeface="+mn-ea"/>
+              </a:rPr>
+              <a:t>哪个线程</a:t>
+            </a:r>
+            <a:r>
+              <a:rPr lang="zh-CN" altLang="en-US">
+                <a:solidFill>
+                  <a:schemeClr val="tx1">
+                    <a:lumMod val="65000"/>
+                    <a:lumOff val="35000"/>
+                  </a:schemeClr>
+                </a:solidFill>
+                <a:sym typeface="+mn-ea"/>
+              </a:rPr>
+              <a:t>执行。</a:t>
+            </a:r>
+            <a:endParaRPr lang="zh-CN" altLang="en-US">
+              <a:solidFill>
+                <a:schemeClr val="tx1">
+                  <a:lumMod val="65000"/>
+                  <a:lumOff val="35000"/>
+                </a:schemeClr>
+              </a:solidFill>
+              <a:sym typeface="+mn-ea"/>
+            </a:endParaRPr>
+          </a:p>
+          <a:p>
+            <a:pPr marL="342900" indent="-342900" algn="l">
+              <a:buAutoNum type="arabicPeriod"/>
+            </a:pPr>
+            <a:endParaRPr lang="zh-CN" altLang="en-US">
+              <a:solidFill>
+                <a:schemeClr val="tx1">
+                  <a:lumMod val="65000"/>
+                  <a:lumOff val="35000"/>
+                </a:schemeClr>
+              </a:solidFill>
+              <a:sym typeface="+mn-ea"/>
+            </a:endParaRPr>
+          </a:p>
+          <a:p>
+            <a:pPr marL="342900" indent="-342900" algn="l">
+              <a:buAutoNum type="arabicPeriod"/>
+            </a:pPr>
+            <a:r>
+              <a:rPr lang="zh-CN" altLang="en-US">
+                <a:solidFill>
+                  <a:schemeClr val="tx1">
+                    <a:lumMod val="65000"/>
+                    <a:lumOff val="35000"/>
+                  </a:schemeClr>
+                </a:solidFill>
+                <a:sym typeface="+mn-ea"/>
+              </a:rPr>
+              <a:t>遍历所有前置任务事件，统计已完成的前置任务数量，如果未完成，把本任务加到前置任务事件里的后续任务数组</a:t>
+            </a:r>
+            <a:r>
+              <a:rPr lang="zh-CN" altLang="en-US">
+                <a:solidFill>
+                  <a:schemeClr val="tx1">
+                    <a:lumMod val="65000"/>
+                    <a:lumOff val="35000"/>
+                  </a:schemeClr>
+                </a:solidFill>
+                <a:sym typeface="+mn-ea"/>
+              </a:rPr>
+              <a:t>里。</a:t>
+            </a:r>
+            <a:endParaRPr lang="zh-CN" altLang="en-US">
+              <a:solidFill>
+                <a:schemeClr val="tx1">
+                  <a:lumMod val="65000"/>
+                  <a:lumOff val="35000"/>
+                </a:schemeClr>
+              </a:solidFill>
+              <a:sym typeface="+mn-ea"/>
+            </a:endParaRPr>
+          </a:p>
+          <a:p>
+            <a:pPr marL="342900" indent="-342900" algn="l">
+              <a:buAutoNum type="arabicPeriod"/>
+            </a:pPr>
+            <a:endParaRPr lang="zh-CN" altLang="en-US">
+              <a:solidFill>
+                <a:schemeClr val="tx1">
+                  <a:lumMod val="65000"/>
+                  <a:lumOff val="35000"/>
+                </a:schemeClr>
+              </a:solidFill>
+              <a:sym typeface="+mn-ea"/>
+            </a:endParaRPr>
+          </a:p>
+          <a:p>
+            <a:pPr marL="342900" indent="-342900" algn="l">
+              <a:buAutoNum type="arabicPeriod"/>
+            </a:pPr>
+            <a:r>
+              <a:rPr lang="zh-CN" altLang="en-US">
+                <a:solidFill>
+                  <a:schemeClr val="tx1">
+                    <a:lumMod val="65000"/>
+                    <a:lumOff val="35000"/>
+                  </a:schemeClr>
+                </a:solidFill>
+                <a:sym typeface="+mn-ea"/>
+              </a:rPr>
+              <a:t>如果所有前置任务都已完成，把本任务添加到任务队列</a:t>
+            </a:r>
+            <a:r>
+              <a:rPr lang="zh-CN" altLang="en-US">
+                <a:solidFill>
+                  <a:schemeClr val="tx1">
+                    <a:lumMod val="65000"/>
+                    <a:lumOff val="35000"/>
+                  </a:schemeClr>
+                </a:solidFill>
+                <a:sym typeface="+mn-ea"/>
+              </a:rPr>
+              <a:t>里。</a:t>
+            </a:r>
+            <a:endParaRPr lang="zh-CN" altLang="en-US">
+              <a:solidFill>
+                <a:schemeClr val="tx1">
+                  <a:lumMod val="65000"/>
+                  <a:lumOff val="35000"/>
+                </a:schemeClr>
+              </a:solidFill>
+              <a:sym typeface="+mn-ea"/>
+            </a:endParaRPr>
+          </a:p>
+        </p:txBody>
+      </p:sp>
+      <p:pic>
+        <p:nvPicPr>
+          <p:cNvPr id="5" name="图片 4" descr="P3_06"/>
+          <p:cNvPicPr>
+            <a:picLocks noChangeAspect="1"/>
+          </p:cNvPicPr>
+          <p:nvPr/>
+        </p:nvPicPr>
+        <p:blipFill>
+          <a:blip r:embed="rId1"/>
+          <a:stretch>
+            <a:fillRect/>
+          </a:stretch>
+        </p:blipFill>
+        <p:spPr>
+          <a:xfrm>
+            <a:off x="4572000" y="705485"/>
+            <a:ext cx="7620000" cy="4076700"/>
+          </a:xfrm>
+          <a:prstGeom prst="rect">
+            <a:avLst/>
+          </a:prstGeom>
+        </p:spPr>
+      </p:pic>
+      <p:sp>
+        <p:nvSpPr>
+          <p:cNvPr id="6" name="文本框 5"/>
+          <p:cNvSpPr txBox="1"/>
+          <p:nvPr/>
+        </p:nvSpPr>
+        <p:spPr>
+          <a:xfrm>
+            <a:off x="0" y="4588510"/>
+            <a:ext cx="4571365" cy="1383665"/>
+          </a:xfrm>
+          <a:prstGeom prst="rect">
+            <a:avLst/>
+          </a:prstGeom>
+          <a:noFill/>
+        </p:spPr>
+        <p:txBody>
+          <a:bodyPr wrap="square" rtlCol="0">
+            <a:spAutoFit/>
+          </a:bodyPr>
+          <a:p>
+            <a:pPr indent="0" algn="l">
+              <a:buFont typeface="Arial" panose="020B0604020202020204" pitchFamily="34" charset="0"/>
+              <a:buNone/>
+            </a:pPr>
+            <a:r>
+              <a:rPr lang="en-US" altLang="zh-CN" sz="1200">
+                <a:solidFill>
+                  <a:schemeClr val="tx1">
+                    <a:lumMod val="65000"/>
+                    <a:lumOff val="35000"/>
+                  </a:schemeClr>
+                </a:solidFill>
+              </a:rPr>
+              <a:t>// </a:t>
+            </a:r>
+            <a:r>
+              <a:rPr lang="zh-CN" altLang="en-US" sz="1200">
+                <a:solidFill>
+                  <a:schemeClr val="tx1">
+                    <a:lumMod val="65000"/>
+                    <a:lumOff val="35000"/>
+                  </a:schemeClr>
+                </a:solidFill>
+              </a:rPr>
+              <a:t>用户定义的TTask会</a:t>
+            </a:r>
+            <a:r>
+              <a:rPr lang="en-US" altLang="zh-CN" sz="1200">
+                <a:solidFill>
+                  <a:schemeClr val="tx1">
+                    <a:lumMod val="65000"/>
+                    <a:lumOff val="35000"/>
+                  </a:schemeClr>
+                </a:solidFill>
+              </a:rPr>
+              <a:t>new</a:t>
+            </a:r>
+            <a:r>
+              <a:rPr lang="zh-CN" altLang="en-US" sz="1200">
+                <a:solidFill>
+                  <a:schemeClr val="tx1">
+                    <a:lumMod val="65000"/>
+                    <a:lumOff val="35000"/>
+                  </a:schemeClr>
+                </a:solidFill>
+              </a:rPr>
+              <a:t>在该地址</a:t>
+            </a:r>
+            <a:r>
+              <a:rPr lang="zh-CN" altLang="en-US" sz="1200">
+                <a:solidFill>
+                  <a:schemeClr val="tx1">
+                    <a:lumMod val="65000"/>
+                    <a:lumOff val="35000"/>
+                  </a:schemeClr>
+                </a:solidFill>
+              </a:rPr>
+              <a:t>上</a:t>
+            </a:r>
+            <a:endParaRPr lang="zh-CN" altLang="en-US" sz="1200">
+              <a:solidFill>
+                <a:schemeClr val="tx1">
+                  <a:lumMod val="65000"/>
+                  <a:lumOff val="35000"/>
+                </a:schemeClr>
+              </a:solidFill>
+            </a:endParaRPr>
+          </a:p>
+          <a:p>
+            <a:pPr marL="285750" indent="-285750" algn="l">
+              <a:buFont typeface="Arial" panose="020B0604020202020204" pitchFamily="34" charset="0"/>
+              <a:buChar char="•"/>
+            </a:pPr>
+            <a:r>
+              <a:rPr lang="zh-CN" altLang="en-US" sz="1200">
+                <a:solidFill>
+                  <a:schemeClr val="tx1">
+                    <a:lumMod val="65000"/>
+                    <a:lumOff val="35000"/>
+                  </a:schemeClr>
+                </a:solidFill>
+              </a:rPr>
+              <a:t>TAlignedBytes&lt;sizeof(TTask),alignof(TTask)&gt; TaskStorage;</a:t>
+            </a:r>
+            <a:endParaRPr lang="zh-CN" altLang="en-US" sz="1200">
+              <a:solidFill>
+                <a:schemeClr val="tx1">
+                  <a:lumMod val="65000"/>
+                  <a:lumOff val="35000"/>
+                </a:schemeClr>
+              </a:solidFill>
+            </a:endParaRPr>
+          </a:p>
+          <a:p>
+            <a:pPr indent="0" algn="l">
+              <a:buFont typeface="Arial" panose="020B0604020202020204" pitchFamily="34" charset="0"/>
+              <a:buNone/>
+            </a:pPr>
+            <a:endParaRPr lang="zh-CN" altLang="en-US" sz="1200">
+              <a:solidFill>
+                <a:schemeClr val="tx1">
+                  <a:lumMod val="65000"/>
+                  <a:lumOff val="35000"/>
+                </a:schemeClr>
+              </a:solidFill>
+            </a:endParaRPr>
+          </a:p>
+          <a:p>
+            <a:pPr indent="0" algn="l">
+              <a:buFont typeface="Arial" panose="020B0604020202020204" pitchFamily="34" charset="0"/>
+              <a:buNone/>
+            </a:pPr>
+            <a:r>
+              <a:rPr lang="en-US" altLang="zh-CN" sz="1200">
+                <a:solidFill>
+                  <a:schemeClr val="tx1">
+                    <a:lumMod val="65000"/>
+                    <a:lumOff val="35000"/>
+                  </a:schemeClr>
+                </a:solidFill>
+              </a:rPr>
+              <a:t>// </a:t>
+            </a:r>
+            <a:r>
+              <a:rPr lang="zh-CN" altLang="en-US" sz="1200">
+                <a:solidFill>
+                  <a:schemeClr val="tx1">
+                    <a:lumMod val="65000"/>
+                    <a:lumOff val="35000"/>
+                  </a:schemeClr>
+                </a:solidFill>
+              </a:rPr>
+              <a:t>任务事件，里面有个数组存着本任务的后续任务</a:t>
+            </a:r>
+            <a:endParaRPr lang="zh-CN" altLang="en-US" sz="1200">
+              <a:solidFill>
+                <a:schemeClr val="tx1">
+                  <a:lumMod val="65000"/>
+                  <a:lumOff val="35000"/>
+                </a:schemeClr>
+              </a:solidFill>
+            </a:endParaRPr>
+          </a:p>
+          <a:p>
+            <a:pPr indent="0" algn="l">
+              <a:buFont typeface="Arial" panose="020B0604020202020204" pitchFamily="34" charset="0"/>
+              <a:buNone/>
+            </a:pPr>
+            <a:r>
+              <a:rPr lang="en-US" altLang="zh-CN" sz="1200">
+                <a:solidFill>
+                  <a:schemeClr val="tx1">
+                    <a:lumMod val="65000"/>
+                    <a:lumOff val="35000"/>
+                  </a:schemeClr>
+                </a:solidFill>
+              </a:rPr>
+              <a:t>// </a:t>
+            </a:r>
+            <a:r>
+              <a:rPr lang="zh-CN" altLang="en-US" sz="1200">
+                <a:solidFill>
+                  <a:schemeClr val="tx1">
+                    <a:lumMod val="65000"/>
+                    <a:lumOff val="35000"/>
+                  </a:schemeClr>
+                </a:solidFill>
+              </a:rPr>
+              <a:t>构造该任务时，最后在ConstructAndDispatchWhenReady方法返回出来</a:t>
+            </a:r>
+            <a:r>
+              <a:rPr lang="zh-CN" altLang="en-US" sz="1200">
+                <a:solidFill>
+                  <a:schemeClr val="tx1">
+                    <a:lumMod val="65000"/>
+                    <a:lumOff val="35000"/>
+                  </a:schemeClr>
+                </a:solidFill>
+              </a:rPr>
+              <a:t>使用</a:t>
+            </a:r>
+            <a:endParaRPr lang="zh-CN" altLang="en-US" sz="1200">
+              <a:solidFill>
+                <a:schemeClr val="tx1">
+                  <a:lumMod val="65000"/>
+                  <a:lumOff val="35000"/>
+                </a:schemeClr>
+              </a:solidFill>
+            </a:endParaRPr>
+          </a:p>
+          <a:p>
+            <a:pPr marL="285750" indent="-285750" algn="l">
+              <a:buFont typeface="Arial" panose="020B0604020202020204" pitchFamily="34" charset="0"/>
+              <a:buChar char="•"/>
+            </a:pPr>
+            <a:r>
+              <a:rPr lang="en-US" altLang="zh-CN" sz="1200">
+                <a:solidFill>
+                  <a:schemeClr val="tx1">
+                    <a:lumMod val="65000"/>
+                    <a:lumOff val="35000"/>
+                  </a:schemeClr>
+                </a:solidFill>
+              </a:rPr>
+              <a:t>FGraphEventRef Subsequents;</a:t>
+            </a:r>
+            <a:endParaRPr lang="en-US" altLang="zh-CN" sz="1200">
+              <a:solidFill>
+                <a:schemeClr val="tx1">
+                  <a:lumMod val="65000"/>
+                  <a:lumOff val="35000"/>
+                </a:schemeClr>
+              </a:solidFill>
+            </a:endParaRPr>
+          </a:p>
+        </p:txBody>
+      </p:sp>
+    </p:spTree>
+    <p:custDataLst>
+      <p:tags r:id="rId2"/>
     </p:custDataLst>
   </p:cSld>
   <p:clrMapOvr>
@@ -9058,6 +11042,30 @@
 </file>
 
 <file path=ppt/tags/tag82.xml><?xml version="1.0" encoding="utf-8"?>
+<p:tagLst xmlns:p="http://schemas.openxmlformats.org/presentationml/2006/main">
+  <p:tag name="KSO_WM_BEAUTIFY_FLAG" val="#wm#"/>
+  <p:tag name="KSO_WM_TEMPLATE_CATEGORY" val="custom"/>
+  <p:tag name="KSO_WM_TEMPLATE_INDEX" val="20205081"/>
+</p:tagLst>
+</file>
+
+<file path=ppt/tags/tag83.xml><?xml version="1.0" encoding="utf-8"?>
+<p:tagLst xmlns:p="http://schemas.openxmlformats.org/presentationml/2006/main">
+  <p:tag name="KSO_WM_BEAUTIFY_FLAG" val="#wm#"/>
+  <p:tag name="KSO_WM_TEMPLATE_CATEGORY" val="custom"/>
+  <p:tag name="KSO_WM_TEMPLATE_INDEX" val="20205081"/>
+</p:tagLst>
+</file>
+
+<file path=ppt/tags/tag84.xml><?xml version="1.0" encoding="utf-8"?>
+<p:tagLst xmlns:p="http://schemas.openxmlformats.org/presentationml/2006/main">
+  <p:tag name="KSO_WM_BEAUTIFY_FLAG" val="#wm#"/>
+  <p:tag name="KSO_WM_TEMPLATE_CATEGORY" val="custom"/>
+  <p:tag name="KSO_WM_TEMPLATE_INDEX" val="20205081"/>
+</p:tagLst>
+</file>
+
+<file path=ppt/tags/tag85.xml><?xml version="1.0" encoding="utf-8"?>
 <p:tagLst xmlns:p="http://schemas.openxmlformats.org/presentationml/2006/main">
   <p:tag name="KSO_WM_BEAUTIFY_FLAG" val="#wm#"/>
   <p:tag name="KSO_WM_TEMPLATE_CATEGORY" val="custom"/>

--- a/MultiThread/PPT/UE4_多线程.pptx
+++ b/MultiThread/PPT/UE4_多线程.pptx
@@ -8,7 +8,7 @@
     <p:notesMasterId r:id="rId13"/>
   </p:notesMasterIdLst>
   <p:handoutMasterIdLst>
-    <p:handoutMasterId r:id="rId25"/>
+    <p:handoutMasterId r:id="rId28"/>
   </p:handoutMasterIdLst>
   <p:sldIdLst>
     <p:sldId id="256" r:id="rId3"/>
@@ -32,6 +32,9 @@
     <p:sldId id="276" r:id="rId22"/>
     <p:sldId id="277" r:id="rId23"/>
     <p:sldId id="278" r:id="rId24"/>
+    <p:sldId id="279" r:id="rId25"/>
+    <p:sldId id="280" r:id="rId26"/>
+    <p:sldId id="281" r:id="rId27"/>
   </p:sldIdLst>
   <p:sldSz cx="12192000" cy="6858000"/>
   <p:notesSz cx="6858000" cy="9144000"/>
@@ -771,6 +774,138 @@
 </file>
 
 <file path=ppt/notesSlides/notesSlide12.xml><?xml version="1.0" encoding="utf-8"?>
+<p:notes xmlns:a="http://schemas.openxmlformats.org/drawingml/2006/main" xmlns:r="http://schemas.openxmlformats.org/officeDocument/2006/relationships" xmlns:p="http://schemas.openxmlformats.org/presentationml/2006/main">
+  <p:cSld>
+    <p:spTree>
+      <p:nvGrpSpPr>
+        <p:cNvPr id="1" name=""/>
+        <p:cNvGrpSpPr/>
+        <p:nvPr/>
+      </p:nvGrpSpPr>
+      <p:grpSpPr/>
+      <p:sp>
+        <p:nvSpPr>
+          <p:cNvPr id="2" name="幻灯片图像占位符 1"/>
+          <p:cNvSpPr/>
+          <p:nvPr>
+            <p:ph type="sldImg" idx="2"/>
+          </p:nvPr>
+        </p:nvSpPr>
+        <p:spPr/>
+      </p:sp>
+      <p:sp>
+        <p:nvSpPr>
+          <p:cNvPr id="3" name="文本占位符 2"/>
+          <p:cNvSpPr/>
+          <p:nvPr>
+            <p:ph type="body" idx="3"/>
+          </p:nvPr>
+        </p:nvSpPr>
+        <p:spPr/>
+        <p:txBody>
+          <a:bodyPr/>
+          <a:p>
+            <a:endParaRPr lang="zh-CN" altLang="en-US"/>
+          </a:p>
+        </p:txBody>
+      </p:sp>
+    </p:spTree>
+  </p:cSld>
+  <p:clrMapOvr>
+    <a:masterClrMapping/>
+  </p:clrMapOvr>
+</p:notes>
+</file>
+
+<file path=ppt/notesSlides/notesSlide13.xml><?xml version="1.0" encoding="utf-8"?>
+<p:notes xmlns:a="http://schemas.openxmlformats.org/drawingml/2006/main" xmlns:r="http://schemas.openxmlformats.org/officeDocument/2006/relationships" xmlns:p="http://schemas.openxmlformats.org/presentationml/2006/main">
+  <p:cSld>
+    <p:spTree>
+      <p:nvGrpSpPr>
+        <p:cNvPr id="1" name=""/>
+        <p:cNvGrpSpPr/>
+        <p:nvPr/>
+      </p:nvGrpSpPr>
+      <p:grpSpPr/>
+      <p:sp>
+        <p:nvSpPr>
+          <p:cNvPr id="2" name="幻灯片图像占位符 1"/>
+          <p:cNvSpPr/>
+          <p:nvPr>
+            <p:ph type="sldImg" idx="2"/>
+          </p:nvPr>
+        </p:nvSpPr>
+        <p:spPr/>
+      </p:sp>
+      <p:sp>
+        <p:nvSpPr>
+          <p:cNvPr id="3" name="文本占位符 2"/>
+          <p:cNvSpPr/>
+          <p:nvPr>
+            <p:ph type="body" idx="3"/>
+          </p:nvPr>
+        </p:nvSpPr>
+        <p:spPr/>
+        <p:txBody>
+          <a:bodyPr/>
+          <a:p>
+            <a:endParaRPr lang="zh-CN" altLang="en-US"/>
+          </a:p>
+        </p:txBody>
+      </p:sp>
+    </p:spTree>
+  </p:cSld>
+  <p:clrMapOvr>
+    <a:masterClrMapping/>
+  </p:clrMapOvr>
+</p:notes>
+</file>
+
+<file path=ppt/notesSlides/notesSlide14.xml><?xml version="1.0" encoding="utf-8"?>
+<p:notes xmlns:a="http://schemas.openxmlformats.org/drawingml/2006/main" xmlns:r="http://schemas.openxmlformats.org/officeDocument/2006/relationships" xmlns:p="http://schemas.openxmlformats.org/presentationml/2006/main">
+  <p:cSld>
+    <p:spTree>
+      <p:nvGrpSpPr>
+        <p:cNvPr id="1" name=""/>
+        <p:cNvGrpSpPr/>
+        <p:nvPr/>
+      </p:nvGrpSpPr>
+      <p:grpSpPr/>
+      <p:sp>
+        <p:nvSpPr>
+          <p:cNvPr id="2" name="幻灯片图像占位符 1"/>
+          <p:cNvSpPr/>
+          <p:nvPr>
+            <p:ph type="sldImg" idx="2"/>
+          </p:nvPr>
+        </p:nvSpPr>
+        <p:spPr/>
+      </p:sp>
+      <p:sp>
+        <p:nvSpPr>
+          <p:cNvPr id="3" name="文本占位符 2"/>
+          <p:cNvSpPr/>
+          <p:nvPr>
+            <p:ph type="body" idx="3"/>
+          </p:nvPr>
+        </p:nvSpPr>
+        <p:spPr/>
+        <p:txBody>
+          <a:bodyPr/>
+          <a:p>
+            <a:endParaRPr lang="zh-CN" altLang="en-US"/>
+          </a:p>
+        </p:txBody>
+      </p:sp>
+    </p:spTree>
+  </p:cSld>
+  <p:clrMapOvr>
+    <a:masterClrMapping/>
+  </p:clrMapOvr>
+</p:notes>
+</file>
+
+<file path=ppt/notesSlides/notesSlide15.xml><?xml version="1.0" encoding="utf-8"?>
 <p:notes xmlns:a="http://schemas.openxmlformats.org/drawingml/2006/main" xmlns:r="http://schemas.openxmlformats.org/officeDocument/2006/relationships" xmlns:p="http://schemas.openxmlformats.org/presentationml/2006/main">
   <p:cSld>
     <p:spTree>
@@ -8493,6 +8628,1086 @@
 </p:sld>
 </file>
 
+<file path=ppt/slides/slide22.xml><?xml version="1.0" encoding="utf-8"?>
+<p:sld xmlns:a="http://schemas.openxmlformats.org/drawingml/2006/main" xmlns:r="http://schemas.openxmlformats.org/officeDocument/2006/relationships" xmlns:p="http://schemas.openxmlformats.org/presentationml/2006/main">
+  <p:cSld>
+    <p:spTree>
+      <p:nvGrpSpPr>
+        <p:cNvPr id="1" name=""/>
+        <p:cNvGrpSpPr/>
+        <p:nvPr/>
+      </p:nvGrpSpPr>
+      <p:grpSpPr/>
+      <p:sp>
+        <p:nvSpPr>
+          <p:cNvPr id="2" name="标题 1"/>
+          <p:cNvSpPr>
+            <a:spLocks noGrp="1"/>
+          </p:cNvSpPr>
+          <p:nvPr>
+            <p:ph type="title"/>
+          </p:nvPr>
+        </p:nvSpPr>
+        <p:spPr>
+          <a:xfrm>
+            <a:off x="70" y="70"/>
+            <a:ext cx="10969200" cy="705600"/>
+          </a:xfrm>
+        </p:spPr>
+        <p:txBody>
+          <a:bodyPr/>
+          <a:p>
+            <a:r>
+              <a:rPr lang="en-US" altLang="zh-CN">
+                <a:sym typeface="+mn-ea"/>
+              </a:rPr>
+              <a:t>TaskGraph</a:t>
+            </a:r>
+            <a:r>
+              <a:rPr lang="zh-CN" altLang="en-US">
+                <a:sym typeface="+mn-ea"/>
+              </a:rPr>
+              <a:t>执行</a:t>
+            </a:r>
+            <a:r>
+              <a:rPr lang="zh-CN" altLang="en-US">
+                <a:sym typeface="+mn-ea"/>
+              </a:rPr>
+              <a:t>流程</a:t>
+            </a:r>
+            <a:endParaRPr lang="zh-CN" altLang="en-US">
+              <a:sym typeface="+mn-ea"/>
+            </a:endParaRPr>
+          </a:p>
+        </p:txBody>
+      </p:sp>
+      <p:sp>
+        <p:nvSpPr>
+          <p:cNvPr id="7" name="文本框 6"/>
+          <p:cNvSpPr txBox="1"/>
+          <p:nvPr/>
+        </p:nvSpPr>
+        <p:spPr>
+          <a:xfrm>
+            <a:off x="0" y="705485"/>
+            <a:ext cx="5061585" cy="3415030"/>
+          </a:xfrm>
+          <a:prstGeom prst="rect">
+            <a:avLst/>
+          </a:prstGeom>
+          <a:noFill/>
+        </p:spPr>
+        <p:txBody>
+          <a:bodyPr wrap="square" rtlCol="0">
+            <a:spAutoFit/>
+          </a:bodyPr>
+          <a:p>
+            <a:pPr marL="342900" indent="-342900" algn="l">
+              <a:buAutoNum type="arabicPeriod"/>
+            </a:pPr>
+            <a:r>
+              <a:rPr lang="en-US">
+                <a:solidFill>
+                  <a:schemeClr val="tx1">
+                    <a:lumMod val="65000"/>
+                    <a:lumOff val="35000"/>
+                  </a:schemeClr>
+                </a:solidFill>
+                <a:sym typeface="+mn-ea"/>
+              </a:rPr>
+              <a:t>ThreadToExecuteOn</a:t>
+            </a:r>
+            <a:r>
+              <a:rPr lang="zh-CN" altLang="en-US">
+                <a:solidFill>
+                  <a:schemeClr val="tx1">
+                    <a:lumMod val="65000"/>
+                    <a:lumOff val="35000"/>
+                  </a:schemeClr>
+                </a:solidFill>
+                <a:sym typeface="+mn-ea"/>
+              </a:rPr>
+              <a:t>实际就是</a:t>
+            </a:r>
+            <a:r>
+              <a:rPr lang="en-US" altLang="zh-CN">
+                <a:solidFill>
+                  <a:schemeClr val="tx1">
+                    <a:lumMod val="65000"/>
+                    <a:lumOff val="35000"/>
+                  </a:schemeClr>
+                </a:solidFill>
+                <a:sym typeface="+mn-ea"/>
+              </a:rPr>
+              <a:t>int32</a:t>
+            </a:r>
+            <a:r>
+              <a:rPr lang="zh-CN" altLang="en-US">
+                <a:solidFill>
+                  <a:schemeClr val="tx1">
+                    <a:lumMod val="65000"/>
+                    <a:lumOff val="35000"/>
+                  </a:schemeClr>
+                </a:solidFill>
+                <a:sym typeface="+mn-ea"/>
+              </a:rPr>
+              <a:t>类型，第</a:t>
+            </a:r>
+            <a:r>
+              <a:rPr lang="en-US" altLang="zh-CN">
+                <a:solidFill>
+                  <a:schemeClr val="tx1">
+                    <a:lumMod val="65000"/>
+                    <a:lumOff val="35000"/>
+                  </a:schemeClr>
+                </a:solidFill>
+                <a:sym typeface="+mn-ea"/>
+              </a:rPr>
+              <a:t>1-8</a:t>
+            </a:r>
+            <a:r>
+              <a:rPr lang="zh-CN" altLang="en-US">
+                <a:solidFill>
+                  <a:schemeClr val="tx1">
+                    <a:lumMod val="65000"/>
+                    <a:lumOff val="35000"/>
+                  </a:schemeClr>
+                </a:solidFill>
+                <a:sym typeface="+mn-ea"/>
+              </a:rPr>
+              <a:t>位代表ThreadIndex，说明是那种线程（RHI，Audio，</a:t>
+            </a:r>
+            <a:r>
+              <a:rPr lang="en-US" altLang="zh-CN">
+                <a:solidFill>
+                  <a:schemeClr val="tx1">
+                    <a:lumMod val="65000"/>
+                    <a:lumOff val="35000"/>
+                  </a:schemeClr>
+                </a:solidFill>
+                <a:sym typeface="+mn-ea"/>
+              </a:rPr>
+              <a:t>Any...</a:t>
+            </a:r>
+            <a:r>
+              <a:rPr lang="zh-CN" altLang="en-US">
+                <a:solidFill>
+                  <a:schemeClr val="tx1">
+                    <a:lumMod val="65000"/>
+                    <a:lumOff val="35000"/>
+                  </a:schemeClr>
+                </a:solidFill>
+                <a:sym typeface="+mn-ea"/>
+              </a:rPr>
+              <a:t>）。第9位代表 QueueIndex，指定名字线程会用到。第</a:t>
+            </a:r>
+            <a:r>
+              <a:rPr lang="en-US" altLang="zh-CN">
+                <a:solidFill>
+                  <a:schemeClr val="tx1">
+                    <a:lumMod val="65000"/>
+                    <a:lumOff val="35000"/>
+                  </a:schemeClr>
+                </a:solidFill>
+                <a:sym typeface="+mn-ea"/>
+              </a:rPr>
+              <a:t>10</a:t>
+            </a:r>
+            <a:r>
+              <a:rPr lang="zh-CN" altLang="en-US">
+                <a:solidFill>
+                  <a:schemeClr val="tx1">
+                    <a:lumMod val="65000"/>
+                    <a:lumOff val="35000"/>
+                  </a:schemeClr>
+                </a:solidFill>
+                <a:sym typeface="+mn-ea"/>
+              </a:rPr>
+              <a:t>位代表TaskPriority任务优先度。第</a:t>
+            </a:r>
+            <a:r>
+              <a:rPr lang="en-US" altLang="zh-CN">
+                <a:solidFill>
+                  <a:schemeClr val="tx1">
+                    <a:lumMod val="65000"/>
+                    <a:lumOff val="35000"/>
+                  </a:schemeClr>
+                </a:solidFill>
+                <a:sym typeface="+mn-ea"/>
+              </a:rPr>
+              <a:t>11-12</a:t>
+            </a:r>
+            <a:r>
+              <a:rPr lang="zh-CN" altLang="en-US">
+                <a:solidFill>
+                  <a:schemeClr val="tx1">
+                    <a:lumMod val="65000"/>
+                    <a:lumOff val="35000"/>
+                  </a:schemeClr>
+                </a:solidFill>
+                <a:sym typeface="+mn-ea"/>
+              </a:rPr>
+              <a:t>位代表ThreadPriority线程</a:t>
+            </a:r>
+            <a:r>
+              <a:rPr lang="zh-CN" altLang="en-US">
+                <a:solidFill>
+                  <a:schemeClr val="tx1">
+                    <a:lumMod val="65000"/>
+                    <a:lumOff val="35000"/>
+                  </a:schemeClr>
+                </a:solidFill>
+                <a:sym typeface="+mn-ea"/>
+              </a:rPr>
+              <a:t>优先度。</a:t>
+            </a:r>
+            <a:endParaRPr lang="zh-CN" altLang="en-US">
+              <a:solidFill>
+                <a:schemeClr val="tx1">
+                  <a:lumMod val="65000"/>
+                  <a:lumOff val="35000"/>
+                </a:schemeClr>
+              </a:solidFill>
+              <a:sym typeface="+mn-ea"/>
+            </a:endParaRPr>
+          </a:p>
+          <a:p>
+            <a:pPr marL="342900" indent="-342900" algn="l">
+              <a:buAutoNum type="arabicPeriod"/>
+            </a:pPr>
+            <a:endParaRPr lang="en-US" altLang="zh-CN">
+              <a:solidFill>
+                <a:schemeClr val="tx1">
+                  <a:lumMod val="65000"/>
+                  <a:lumOff val="35000"/>
+                </a:schemeClr>
+              </a:solidFill>
+              <a:sym typeface="+mn-ea"/>
+            </a:endParaRPr>
+          </a:p>
+          <a:p>
+            <a:pPr marL="342900" indent="-342900" algn="l">
+              <a:buAutoNum type="arabicPeriod"/>
+            </a:pPr>
+            <a:r>
+              <a:rPr lang="zh-CN" altLang="en-US">
+                <a:solidFill>
+                  <a:schemeClr val="tx1">
+                    <a:lumMod val="65000"/>
+                    <a:lumOff val="35000"/>
+                  </a:schemeClr>
+                </a:solidFill>
+                <a:sym typeface="+mn-ea"/>
+              </a:rPr>
+              <a:t>根据线程优先度和任务优先度添加任务到对应</a:t>
+            </a:r>
+            <a:r>
+              <a:rPr lang="zh-CN" altLang="en-US">
+                <a:solidFill>
+                  <a:schemeClr val="tx1">
+                    <a:lumMod val="65000"/>
+                    <a:lumOff val="35000"/>
+                  </a:schemeClr>
+                </a:solidFill>
+                <a:sym typeface="+mn-ea"/>
+              </a:rPr>
+              <a:t>队列。</a:t>
+            </a:r>
+            <a:endParaRPr lang="zh-CN" altLang="en-US">
+              <a:solidFill>
+                <a:schemeClr val="tx1">
+                  <a:lumMod val="65000"/>
+                  <a:lumOff val="35000"/>
+                </a:schemeClr>
+              </a:solidFill>
+              <a:sym typeface="+mn-ea"/>
+            </a:endParaRPr>
+          </a:p>
+          <a:p>
+            <a:pPr marL="342900" indent="-342900" algn="l">
+              <a:buAutoNum type="arabicPeriod"/>
+            </a:pPr>
+            <a:endParaRPr lang="zh-CN" altLang="en-US">
+              <a:solidFill>
+                <a:schemeClr val="tx1">
+                  <a:lumMod val="65000"/>
+                  <a:lumOff val="35000"/>
+                </a:schemeClr>
+              </a:solidFill>
+              <a:sym typeface="+mn-ea"/>
+            </a:endParaRPr>
+          </a:p>
+          <a:p>
+            <a:pPr marL="342900" indent="-342900" algn="l">
+              <a:buAutoNum type="arabicPeriod"/>
+            </a:pPr>
+            <a:r>
+              <a:rPr lang="zh-CN" altLang="en-US">
+                <a:solidFill>
+                  <a:schemeClr val="tx1">
+                    <a:lumMod val="65000"/>
+                    <a:lumOff val="35000"/>
+                  </a:schemeClr>
+                </a:solidFill>
+                <a:sym typeface="+mn-ea"/>
+              </a:rPr>
+              <a:t>指定线程的StallRestartEvent事件</a:t>
+            </a:r>
+            <a:r>
+              <a:rPr lang="en-US" altLang="zh-CN">
+                <a:solidFill>
+                  <a:schemeClr val="tx1">
+                    <a:lumMod val="65000"/>
+                    <a:lumOff val="35000"/>
+                  </a:schemeClr>
+                </a:solidFill>
+                <a:sym typeface="+mn-ea"/>
+              </a:rPr>
+              <a:t>Trigger</a:t>
+            </a:r>
+            <a:r>
+              <a:rPr lang="zh-CN" altLang="en-US">
+                <a:solidFill>
+                  <a:schemeClr val="tx1">
+                    <a:lumMod val="65000"/>
+                    <a:lumOff val="35000"/>
+                  </a:schemeClr>
+                </a:solidFill>
+                <a:sym typeface="+mn-ea"/>
+              </a:rPr>
+              <a:t>，线程收到通知后</a:t>
+            </a:r>
+            <a:r>
+              <a:rPr lang="en-US" altLang="zh-CN">
+                <a:solidFill>
+                  <a:schemeClr val="tx1">
+                    <a:lumMod val="65000"/>
+                    <a:lumOff val="35000"/>
+                  </a:schemeClr>
+                </a:solidFill>
+                <a:sym typeface="+mn-ea"/>
+              </a:rPr>
+              <a:t>FindWork</a:t>
+            </a:r>
+            <a:r>
+              <a:rPr lang="zh-CN" altLang="en-US">
+                <a:solidFill>
+                  <a:schemeClr val="tx1">
+                    <a:lumMod val="65000"/>
+                    <a:lumOff val="35000"/>
+                  </a:schemeClr>
+                </a:solidFill>
+                <a:sym typeface="+mn-ea"/>
+              </a:rPr>
+              <a:t>执行</a:t>
+            </a:r>
+            <a:r>
+              <a:rPr lang="zh-CN" altLang="en-US">
+                <a:solidFill>
+                  <a:schemeClr val="tx1">
+                    <a:lumMod val="65000"/>
+                    <a:lumOff val="35000"/>
+                  </a:schemeClr>
+                </a:solidFill>
+                <a:sym typeface="+mn-ea"/>
+              </a:rPr>
+              <a:t>任务。</a:t>
+            </a:r>
+            <a:endParaRPr lang="zh-CN" altLang="en-US">
+              <a:solidFill>
+                <a:schemeClr val="tx1">
+                  <a:lumMod val="65000"/>
+                  <a:lumOff val="35000"/>
+                </a:schemeClr>
+              </a:solidFill>
+              <a:sym typeface="+mn-ea"/>
+            </a:endParaRPr>
+          </a:p>
+        </p:txBody>
+      </p:sp>
+      <p:pic>
+        <p:nvPicPr>
+          <p:cNvPr id="3" name="图片 2" descr="P3_07"/>
+          <p:cNvPicPr>
+            <a:picLocks noChangeAspect="1"/>
+          </p:cNvPicPr>
+          <p:nvPr>
+            <p:custDataLst>
+              <p:tags r:id="rId1"/>
+            </p:custDataLst>
+          </p:nvPr>
+        </p:nvPicPr>
+        <p:blipFill>
+          <a:blip r:embed="rId2"/>
+          <a:stretch>
+            <a:fillRect/>
+          </a:stretch>
+        </p:blipFill>
+        <p:spPr>
+          <a:xfrm>
+            <a:off x="5061585" y="0"/>
+            <a:ext cx="7130415" cy="6858000"/>
+          </a:xfrm>
+          <a:prstGeom prst="rect">
+            <a:avLst/>
+          </a:prstGeom>
+        </p:spPr>
+      </p:pic>
+    </p:spTree>
+    <p:custDataLst>
+      <p:tags r:id="rId3"/>
+    </p:custDataLst>
+  </p:cSld>
+  <p:clrMapOvr>
+    <a:masterClrMapping/>
+  </p:clrMapOvr>
+</p:sld>
+</file>
+
+<file path=ppt/slides/slide23.xml><?xml version="1.0" encoding="utf-8"?>
+<p:sld xmlns:a="http://schemas.openxmlformats.org/drawingml/2006/main" xmlns:r="http://schemas.openxmlformats.org/officeDocument/2006/relationships" xmlns:p="http://schemas.openxmlformats.org/presentationml/2006/main">
+  <p:cSld>
+    <p:spTree>
+      <p:nvGrpSpPr>
+        <p:cNvPr id="1" name=""/>
+        <p:cNvGrpSpPr/>
+        <p:nvPr/>
+      </p:nvGrpSpPr>
+      <p:grpSpPr/>
+      <p:sp>
+        <p:nvSpPr>
+          <p:cNvPr id="2" name="标题 1"/>
+          <p:cNvSpPr>
+            <a:spLocks noGrp="1"/>
+          </p:cNvSpPr>
+          <p:nvPr>
+            <p:ph type="title"/>
+          </p:nvPr>
+        </p:nvSpPr>
+        <p:spPr>
+          <a:xfrm>
+            <a:off x="70" y="70"/>
+            <a:ext cx="10969200" cy="705600"/>
+          </a:xfrm>
+        </p:spPr>
+        <p:txBody>
+          <a:bodyPr/>
+          <a:p>
+            <a:r>
+              <a:rPr lang="zh-CN" altLang="en-US">
+                <a:sym typeface="+mn-ea"/>
+              </a:rPr>
+              <a:t>总结</a:t>
+            </a:r>
+            <a:endParaRPr lang="zh-CN" altLang="en-US">
+              <a:sym typeface="+mn-ea"/>
+            </a:endParaRPr>
+          </a:p>
+        </p:txBody>
+      </p:sp>
+      <p:sp>
+        <p:nvSpPr>
+          <p:cNvPr id="7" name="文本框 6"/>
+          <p:cNvSpPr txBox="1"/>
+          <p:nvPr/>
+        </p:nvSpPr>
+        <p:spPr>
+          <a:xfrm>
+            <a:off x="0" y="705485"/>
+            <a:ext cx="11894185" cy="2584450"/>
+          </a:xfrm>
+          <a:prstGeom prst="rect">
+            <a:avLst/>
+          </a:prstGeom>
+          <a:noFill/>
+        </p:spPr>
+        <p:txBody>
+          <a:bodyPr wrap="square" rtlCol="0">
+            <a:spAutoFit/>
+          </a:bodyPr>
+          <a:p>
+            <a:pPr marL="342900" indent="-342900" algn="l">
+              <a:buAutoNum type="arabicPeriod"/>
+            </a:pPr>
+            <a:r>
+              <a:rPr lang="zh-CN" altLang="en-US">
+                <a:solidFill>
+                  <a:schemeClr val="tx1">
+                    <a:lumMod val="65000"/>
+                    <a:lumOff val="35000"/>
+                  </a:schemeClr>
+                </a:solidFill>
+                <a:sym typeface="+mn-ea"/>
+              </a:rPr>
+              <a:t>简单的，有依赖关系的任务可以用</a:t>
+            </a:r>
+            <a:r>
+              <a:rPr lang="en-US" altLang="zh-CN">
+                <a:solidFill>
+                  <a:schemeClr val="tx1">
+                    <a:lumMod val="65000"/>
+                    <a:lumOff val="35000"/>
+                  </a:schemeClr>
+                </a:solidFill>
+                <a:sym typeface="+mn-ea"/>
+              </a:rPr>
+              <a:t>TaskGraph</a:t>
+            </a:r>
+            <a:r>
+              <a:rPr lang="zh-CN" altLang="en-US">
+                <a:solidFill>
+                  <a:schemeClr val="tx1">
+                    <a:lumMod val="65000"/>
+                    <a:lumOff val="35000"/>
+                  </a:schemeClr>
+                </a:solidFill>
+                <a:sym typeface="+mn-ea"/>
+              </a:rPr>
+              <a:t>。复杂耗时的任务不建议用，因为引擎内部的任务大量用到了</a:t>
+            </a:r>
+            <a:r>
+              <a:rPr lang="en-US" altLang="zh-CN">
+                <a:solidFill>
+                  <a:schemeClr val="tx1">
+                    <a:lumMod val="65000"/>
+                    <a:lumOff val="35000"/>
+                  </a:schemeClr>
+                </a:solidFill>
+                <a:sym typeface="+mn-ea"/>
+              </a:rPr>
+              <a:t>TaskGraph</a:t>
+            </a:r>
+            <a:r>
+              <a:rPr lang="zh-CN" altLang="en-US">
+                <a:solidFill>
+                  <a:schemeClr val="tx1">
+                    <a:lumMod val="65000"/>
+                    <a:lumOff val="35000"/>
+                  </a:schemeClr>
+                </a:solidFill>
+                <a:sym typeface="+mn-ea"/>
+              </a:rPr>
+              <a:t>，如果放了自己十分耗时的任务可能会影响引擎流畅</a:t>
+            </a:r>
+            <a:r>
+              <a:rPr lang="zh-CN" altLang="en-US">
+                <a:solidFill>
+                  <a:schemeClr val="tx1">
+                    <a:lumMod val="65000"/>
+                    <a:lumOff val="35000"/>
+                  </a:schemeClr>
+                </a:solidFill>
+                <a:sym typeface="+mn-ea"/>
+              </a:rPr>
+              <a:t>运行。</a:t>
+            </a:r>
+            <a:endParaRPr lang="zh-CN" altLang="en-US">
+              <a:solidFill>
+                <a:schemeClr val="tx1">
+                  <a:lumMod val="65000"/>
+                  <a:lumOff val="35000"/>
+                </a:schemeClr>
+              </a:solidFill>
+              <a:sym typeface="+mn-ea"/>
+            </a:endParaRPr>
+          </a:p>
+          <a:p>
+            <a:pPr marL="342900" indent="-342900" algn="l">
+              <a:buAutoNum type="arabicPeriod"/>
+            </a:pPr>
+            <a:endParaRPr lang="zh-CN" altLang="en-US">
+              <a:solidFill>
+                <a:schemeClr val="tx1">
+                  <a:lumMod val="65000"/>
+                  <a:lumOff val="35000"/>
+                </a:schemeClr>
+              </a:solidFill>
+              <a:sym typeface="+mn-ea"/>
+            </a:endParaRPr>
+          </a:p>
+          <a:p>
+            <a:pPr marL="342900" indent="-342900" algn="l">
+              <a:buAutoNum type="arabicPeriod"/>
+            </a:pPr>
+            <a:r>
+              <a:rPr lang="zh-CN" altLang="en-US">
+                <a:solidFill>
+                  <a:schemeClr val="tx1">
+                    <a:lumMod val="65000"/>
+                    <a:lumOff val="35000"/>
+                  </a:schemeClr>
+                </a:solidFill>
+                <a:sym typeface="+mn-ea"/>
+              </a:rPr>
+              <a:t>复杂耗时的任务优先使用</a:t>
+            </a:r>
+            <a:r>
+              <a:rPr lang="en-US" altLang="zh-CN">
+                <a:solidFill>
+                  <a:schemeClr val="tx1">
+                    <a:lumMod val="65000"/>
+                    <a:lumOff val="35000"/>
+                  </a:schemeClr>
+                </a:solidFill>
+                <a:sym typeface="+mn-ea"/>
+              </a:rPr>
+              <a:t>RunnableThread</a:t>
+            </a:r>
+            <a:r>
+              <a:rPr lang="zh-CN" altLang="en-US">
+                <a:solidFill>
+                  <a:schemeClr val="tx1">
+                    <a:lumMod val="65000"/>
+                    <a:lumOff val="35000"/>
+                  </a:schemeClr>
+                </a:solidFill>
+                <a:sym typeface="+mn-ea"/>
+              </a:rPr>
+              <a:t>或者</a:t>
+            </a:r>
+            <a:r>
+              <a:rPr lang="en-US" altLang="zh-CN">
+                <a:solidFill>
+                  <a:schemeClr val="tx1">
+                    <a:lumMod val="65000"/>
+                    <a:lumOff val="35000"/>
+                  </a:schemeClr>
+                </a:solidFill>
+                <a:sym typeface="+mn-ea"/>
+              </a:rPr>
+              <a:t>AsyncTask</a:t>
+            </a:r>
+            <a:r>
+              <a:rPr lang="zh-CN" altLang="en-US">
+                <a:solidFill>
+                  <a:schemeClr val="tx1">
+                    <a:lumMod val="65000"/>
+                    <a:lumOff val="35000"/>
+                  </a:schemeClr>
+                </a:solidFill>
+                <a:sym typeface="+mn-ea"/>
+              </a:rPr>
+              <a:t>。</a:t>
+            </a:r>
+            <a:endParaRPr lang="en-US" altLang="zh-CN">
+              <a:solidFill>
+                <a:schemeClr val="tx1">
+                  <a:lumMod val="65000"/>
+                  <a:lumOff val="35000"/>
+                </a:schemeClr>
+              </a:solidFill>
+              <a:sym typeface="+mn-ea"/>
+            </a:endParaRPr>
+          </a:p>
+          <a:p>
+            <a:pPr marL="342900" indent="-342900" algn="l">
+              <a:buAutoNum type="arabicPeriod"/>
+            </a:pPr>
+            <a:endParaRPr lang="en-US" altLang="zh-CN">
+              <a:solidFill>
+                <a:schemeClr val="tx1">
+                  <a:lumMod val="65000"/>
+                  <a:lumOff val="35000"/>
+                </a:schemeClr>
+              </a:solidFill>
+              <a:sym typeface="+mn-ea"/>
+            </a:endParaRPr>
+          </a:p>
+          <a:p>
+            <a:pPr marL="342900" indent="-342900" algn="l">
+              <a:buAutoNum type="arabicPeriod"/>
+            </a:pPr>
+            <a:r>
+              <a:rPr lang="en-US" altLang="zh-CN">
+                <a:solidFill>
+                  <a:schemeClr val="tx1">
+                    <a:lumMod val="65000"/>
+                    <a:lumOff val="35000"/>
+                  </a:schemeClr>
+                </a:solidFill>
+                <a:sym typeface="+mn-ea"/>
+              </a:rPr>
+              <a:t>不要在非GameThread线程内执行下面几个操作：</a:t>
+            </a:r>
+            <a:endParaRPr lang="en-US" altLang="zh-CN">
+              <a:solidFill>
+                <a:schemeClr val="tx1">
+                  <a:lumMod val="65000"/>
+                  <a:lumOff val="35000"/>
+                </a:schemeClr>
+              </a:solidFill>
+              <a:sym typeface="+mn-ea"/>
+            </a:endParaRPr>
+          </a:p>
+          <a:p>
+            <a:pPr marL="800100" lvl="1" indent="-342900" algn="l">
+              <a:buFont typeface="Arial" panose="020B0604020202020204" pitchFamily="34" charset="0"/>
+              <a:buChar char="•"/>
+            </a:pPr>
+            <a:r>
+              <a:rPr lang="zh-CN" altLang="en-US">
+                <a:solidFill>
+                  <a:schemeClr val="tx1">
+                    <a:lumMod val="65000"/>
+                    <a:lumOff val="35000"/>
+                  </a:schemeClr>
+                </a:solidFill>
+                <a:sym typeface="+mn-ea"/>
+              </a:rPr>
+              <a:t>不</a:t>
+            </a:r>
+            <a:r>
+              <a:rPr lang="en-US" altLang="zh-CN">
+                <a:solidFill>
+                  <a:schemeClr val="tx1">
+                    <a:lumMod val="65000"/>
+                    <a:lumOff val="35000"/>
+                  </a:schemeClr>
+                </a:solidFill>
+                <a:sym typeface="+mn-ea"/>
+              </a:rPr>
+              <a:t>要 Spawn / Modify / </a:t>
+            </a:r>
+            <a:r>
+              <a:rPr lang="en-US" altLang="zh-CN">
+                <a:solidFill>
+                  <a:schemeClr val="tx1">
+                    <a:lumMod val="65000"/>
+                    <a:lumOff val="35000"/>
+                  </a:schemeClr>
+                </a:solidFill>
+                <a:sym typeface="+mn-ea"/>
+              </a:rPr>
+              <a:t>Delete UObjects or AActors</a:t>
+            </a:r>
+            <a:endParaRPr lang="en-US" altLang="zh-CN">
+              <a:solidFill>
+                <a:schemeClr val="tx1">
+                  <a:lumMod val="65000"/>
+                  <a:lumOff val="35000"/>
+                </a:schemeClr>
+              </a:solidFill>
+              <a:sym typeface="+mn-ea"/>
+            </a:endParaRPr>
+          </a:p>
+          <a:p>
+            <a:pPr marL="800100" lvl="1" indent="-342900" algn="l">
+              <a:buFont typeface="Arial" panose="020B0604020202020204" pitchFamily="34" charset="0"/>
+              <a:buChar char="•"/>
+            </a:pPr>
+            <a:r>
+              <a:rPr lang="en-US" altLang="zh-CN">
+                <a:solidFill>
+                  <a:schemeClr val="tx1">
+                    <a:lumMod val="65000"/>
+                    <a:lumOff val="35000"/>
+                  </a:schemeClr>
+                </a:solidFill>
+                <a:sym typeface="+mn-ea"/>
+              </a:rPr>
+              <a:t>不要使用定时器 TimerManager</a:t>
+            </a:r>
+            <a:endParaRPr lang="en-US" altLang="zh-CN">
+              <a:solidFill>
+                <a:schemeClr val="tx1">
+                  <a:lumMod val="65000"/>
+                  <a:lumOff val="35000"/>
+                </a:schemeClr>
+              </a:solidFill>
+              <a:sym typeface="+mn-ea"/>
+            </a:endParaRPr>
+          </a:p>
+          <a:p>
+            <a:pPr marL="800100" lvl="1" indent="-342900" algn="l">
+              <a:buFont typeface="Arial" panose="020B0604020202020204" pitchFamily="34" charset="0"/>
+              <a:buChar char="•"/>
+            </a:pPr>
+            <a:r>
+              <a:rPr lang="en-US" altLang="zh-CN">
+                <a:solidFill>
+                  <a:schemeClr val="tx1">
+                    <a:lumMod val="65000"/>
+                    <a:lumOff val="35000"/>
+                  </a:schemeClr>
+                </a:solidFill>
+                <a:sym typeface="+mn-ea"/>
+              </a:rPr>
+              <a:t>不要使用任何绘制接口，例如 DrawDebugLine</a:t>
+            </a:r>
+            <a:endParaRPr lang="en-US" altLang="zh-CN">
+              <a:solidFill>
+                <a:schemeClr val="tx1">
+                  <a:lumMod val="65000"/>
+                  <a:lumOff val="35000"/>
+                </a:schemeClr>
+              </a:solidFill>
+              <a:sym typeface="+mn-ea"/>
+            </a:endParaRPr>
+          </a:p>
+        </p:txBody>
+      </p:sp>
+    </p:spTree>
+    <p:custDataLst>
+      <p:tags r:id="rId1"/>
+    </p:custDataLst>
+  </p:cSld>
+  <p:clrMapOvr>
+    <a:masterClrMapping/>
+  </p:clrMapOvr>
+</p:sld>
+</file>
+
+<file path=ppt/slides/slide24.xml><?xml version="1.0" encoding="utf-8"?>
+<p:sld xmlns:a="http://schemas.openxmlformats.org/drawingml/2006/main" xmlns:r="http://schemas.openxmlformats.org/officeDocument/2006/relationships" xmlns:p="http://schemas.openxmlformats.org/presentationml/2006/main">
+  <p:cSld>
+    <p:spTree>
+      <p:nvGrpSpPr>
+        <p:cNvPr id="1" name=""/>
+        <p:cNvGrpSpPr/>
+        <p:nvPr/>
+      </p:nvGrpSpPr>
+      <p:grpSpPr/>
+      <p:sp>
+        <p:nvSpPr>
+          <p:cNvPr id="2" name="标题 1"/>
+          <p:cNvSpPr>
+            <a:spLocks noGrp="1"/>
+          </p:cNvSpPr>
+          <p:nvPr>
+            <p:ph type="title"/>
+          </p:nvPr>
+        </p:nvSpPr>
+        <p:spPr>
+          <a:xfrm>
+            <a:off x="0" y="0"/>
+            <a:ext cx="12191365" cy="2698750"/>
+          </a:xfrm>
+        </p:spPr>
+        <p:txBody>
+          <a:bodyPr/>
+          <a:p>
+            <a:pPr algn="ctr">
+              <a:buClrTx/>
+              <a:buSzTx/>
+              <a:buFontTx/>
+            </a:pPr>
+            <a:r>
+              <a:rPr lang="en-US" altLang="zh-CN" sz="4800">
+                <a:sym typeface="+mn-ea"/>
+              </a:rPr>
+              <a:t>Thanks</a:t>
+            </a:r>
+            <a:endParaRPr lang="en-US" altLang="zh-CN" sz="4800">
+              <a:sym typeface="+mn-ea"/>
+            </a:endParaRPr>
+          </a:p>
+        </p:txBody>
+      </p:sp>
+      <p:sp>
+        <p:nvSpPr>
+          <p:cNvPr id="4" name="文本框 3"/>
+          <p:cNvSpPr txBox="1"/>
+          <p:nvPr/>
+        </p:nvSpPr>
+        <p:spPr>
+          <a:xfrm>
+            <a:off x="1571625" y="3161665"/>
+            <a:ext cx="9049385" cy="2030095"/>
+          </a:xfrm>
+          <a:prstGeom prst="rect">
+            <a:avLst/>
+          </a:prstGeom>
+          <a:noFill/>
+        </p:spPr>
+        <p:txBody>
+          <a:bodyPr wrap="none" rtlCol="0">
+            <a:spAutoFit/>
+          </a:bodyPr>
+          <a:p>
+            <a:pPr algn="l"/>
+            <a:r>
+              <a:rPr lang="zh-CN" altLang="en-US">
+                <a:solidFill>
+                  <a:schemeClr val="tx1">
+                    <a:lumMod val="65000"/>
+                    <a:lumOff val="35000"/>
+                  </a:schemeClr>
+                </a:solidFill>
+              </a:rPr>
+              <a:t>reference：</a:t>
+            </a:r>
+            <a:endParaRPr lang="zh-CN" altLang="en-US">
+              <a:solidFill>
+                <a:schemeClr val="tx1">
+                  <a:lumMod val="65000"/>
+                  <a:lumOff val="35000"/>
+                </a:schemeClr>
+              </a:solidFill>
+            </a:endParaRPr>
+          </a:p>
+          <a:p>
+            <a:pPr marL="285750" indent="-285750" algn="l">
+              <a:buFont typeface="Arial" panose="020B0604020202020204" pitchFamily="34" charset="0"/>
+              <a:buChar char="•"/>
+            </a:pPr>
+            <a:r>
+              <a:rPr lang="en-US" altLang="zh-CN">
+                <a:solidFill>
+                  <a:schemeClr val="tx1">
+                    <a:lumMod val="65000"/>
+                    <a:lumOff val="35000"/>
+                  </a:schemeClr>
+                </a:solidFill>
+              </a:rPr>
+              <a:t>https://unrealcommunity.wiki/multi-threading:-how-to-create-threads-in-ue4-0bsy2g96</a:t>
+            </a:r>
+            <a:endParaRPr lang="en-US" altLang="zh-CN">
+              <a:solidFill>
+                <a:schemeClr val="tx1">
+                  <a:lumMod val="65000"/>
+                  <a:lumOff val="35000"/>
+                </a:schemeClr>
+              </a:solidFill>
+            </a:endParaRPr>
+          </a:p>
+          <a:p>
+            <a:pPr marL="285750" indent="-285750" algn="l">
+              <a:buFont typeface="Arial" panose="020B0604020202020204" pitchFamily="34" charset="0"/>
+              <a:buChar char="•"/>
+            </a:pPr>
+            <a:r>
+              <a:rPr lang="en-US" altLang="zh-CN">
+                <a:solidFill>
+                  <a:schemeClr val="tx1">
+                    <a:lumMod val="65000"/>
+                    <a:lumOff val="35000"/>
+                  </a:schemeClr>
+                </a:solidFill>
+              </a:rPr>
+              <a:t>https://unrealcommunity.wiki/multi-threading:-task-graph-system-pah8k101</a:t>
+            </a:r>
+            <a:endParaRPr lang="en-US" altLang="zh-CN">
+              <a:solidFill>
+                <a:schemeClr val="tx1">
+                  <a:lumMod val="65000"/>
+                  <a:lumOff val="35000"/>
+                </a:schemeClr>
+              </a:solidFill>
+            </a:endParaRPr>
+          </a:p>
+          <a:p>
+            <a:pPr marL="285750" indent="-285750" algn="l">
+              <a:buFont typeface="Arial" panose="020B0604020202020204" pitchFamily="34" charset="0"/>
+              <a:buChar char="•"/>
+            </a:pPr>
+            <a:r>
+              <a:rPr lang="en-US" altLang="zh-CN">
+                <a:solidFill>
+                  <a:schemeClr val="tx1">
+                    <a:lumMod val="65000"/>
+                    <a:lumOff val="35000"/>
+                  </a:schemeClr>
+                </a:solidFill>
+              </a:rPr>
+              <a:t>https://unrealcommunity.wiki/multithreading-and-synchronization-guide-9l0xyz17</a:t>
+            </a:r>
+            <a:endParaRPr lang="en-US" altLang="zh-CN">
+              <a:solidFill>
+                <a:schemeClr val="tx1">
+                  <a:lumMod val="65000"/>
+                  <a:lumOff val="35000"/>
+                </a:schemeClr>
+              </a:solidFill>
+            </a:endParaRPr>
+          </a:p>
+          <a:p>
+            <a:pPr marL="285750" indent="-285750" algn="l">
+              <a:buFont typeface="Arial" panose="020B0604020202020204" pitchFamily="34" charset="0"/>
+              <a:buChar char="•"/>
+            </a:pPr>
+            <a:r>
+              <a:rPr lang="en-US" altLang="zh-CN">
+                <a:solidFill>
+                  <a:schemeClr val="tx1">
+                    <a:lumMod val="65000"/>
+                    <a:lumOff val="35000"/>
+                  </a:schemeClr>
+                </a:solidFill>
+              </a:rPr>
+              <a:t>https://km.netease.com/article/283006</a:t>
+            </a:r>
+            <a:endParaRPr lang="en-US" altLang="zh-CN">
+              <a:solidFill>
+                <a:schemeClr val="tx1">
+                  <a:lumMod val="65000"/>
+                  <a:lumOff val="35000"/>
+                </a:schemeClr>
+              </a:solidFill>
+            </a:endParaRPr>
+          </a:p>
+          <a:p>
+            <a:pPr marL="285750" indent="-285750" algn="l">
+              <a:buFont typeface="Arial" panose="020B0604020202020204" pitchFamily="34" charset="0"/>
+              <a:buChar char="•"/>
+            </a:pPr>
+            <a:r>
+              <a:rPr lang="en-US" altLang="zh-CN">
+                <a:solidFill>
+                  <a:schemeClr val="tx1">
+                    <a:lumMod val="65000"/>
+                    <a:lumOff val="35000"/>
+                  </a:schemeClr>
+                </a:solidFill>
+              </a:rPr>
+              <a:t>https://zhuanlan.zhihu.com/p/38881269</a:t>
+            </a:r>
+            <a:endParaRPr lang="en-US" altLang="zh-CN">
+              <a:solidFill>
+                <a:schemeClr val="tx1">
+                  <a:lumMod val="65000"/>
+                  <a:lumOff val="35000"/>
+                </a:schemeClr>
+              </a:solidFill>
+            </a:endParaRPr>
+          </a:p>
+          <a:p>
+            <a:pPr marL="285750" indent="-285750" algn="l">
+              <a:buFont typeface="Arial" panose="020B0604020202020204" pitchFamily="34" charset="0"/>
+              <a:buChar char="•"/>
+            </a:pPr>
+            <a:r>
+              <a:rPr lang="en-US" altLang="zh-CN">
+                <a:solidFill>
+                  <a:schemeClr val="tx1">
+                    <a:lumMod val="65000"/>
+                    <a:lumOff val="35000"/>
+                  </a:schemeClr>
+                </a:solidFill>
+              </a:rPr>
+              <a:t>https://zhuanlan.zhihu.com/p/350385421</a:t>
+            </a:r>
+            <a:endParaRPr lang="en-US" altLang="zh-CN">
+              <a:solidFill>
+                <a:schemeClr val="tx1">
+                  <a:lumMod val="65000"/>
+                  <a:lumOff val="35000"/>
+                </a:schemeClr>
+              </a:solidFill>
+            </a:endParaRPr>
+          </a:p>
+        </p:txBody>
+      </p:sp>
+    </p:spTree>
+    <p:custDataLst>
+      <p:tags r:id="rId1"/>
+    </p:custDataLst>
+  </p:cSld>
+  <p:clrMapOvr>
+    <a:masterClrMapping/>
+  </p:clrMapOvr>
+</p:sld>
+</file>
+
 <file path=ppt/slides/slide3.xml><?xml version="1.0" encoding="utf-8"?>
 <p:sld xmlns:a="http://schemas.openxmlformats.org/drawingml/2006/main" xmlns:r="http://schemas.openxmlformats.org/officeDocument/2006/relationships" xmlns:p="http://schemas.openxmlformats.org/presentationml/2006/main">
   <p:cSld>
@@ -11066,6 +12281,36 @@
 </file>
 
 <file path=ppt/tags/tag85.xml><?xml version="1.0" encoding="utf-8"?>
+<p:tagLst xmlns:p="http://schemas.openxmlformats.org/presentationml/2006/main">
+  <p:tag name="KSO_WM_BEAUTIFY_FLAG" val="#wm#"/>
+  <p:tag name="KSO_WM_TEMPLATE_CATEGORY" val="custom"/>
+  <p:tag name="KSO_WM_TEMPLATE_INDEX" val="20205081"/>
+</p:tagLst>
+</file>
+
+<file path=ppt/tags/tag86.xml><?xml version="1.0" encoding="utf-8"?>
+<p:tagLst xmlns:p="http://schemas.openxmlformats.org/presentationml/2006/main">
+  <p:tag name="KSO_WM_UNIT_PLACING_PICTURE_USER_VIEWPORT" val="{&quot;height&quot;:10800,&quot;width&quot;:11229}"/>
+</p:tagLst>
+</file>
+
+<file path=ppt/tags/tag87.xml><?xml version="1.0" encoding="utf-8"?>
+<p:tagLst xmlns:p="http://schemas.openxmlformats.org/presentationml/2006/main">
+  <p:tag name="KSO_WM_BEAUTIFY_FLAG" val="#wm#"/>
+  <p:tag name="KSO_WM_TEMPLATE_CATEGORY" val="custom"/>
+  <p:tag name="KSO_WM_TEMPLATE_INDEX" val="20205081"/>
+</p:tagLst>
+</file>
+
+<file path=ppt/tags/tag88.xml><?xml version="1.0" encoding="utf-8"?>
+<p:tagLst xmlns:p="http://schemas.openxmlformats.org/presentationml/2006/main">
+  <p:tag name="KSO_WM_BEAUTIFY_FLAG" val="#wm#"/>
+  <p:tag name="KSO_WM_TEMPLATE_CATEGORY" val="custom"/>
+  <p:tag name="KSO_WM_TEMPLATE_INDEX" val="20205081"/>
+</p:tagLst>
+</file>
+
+<file path=ppt/tags/tag89.xml><?xml version="1.0" encoding="utf-8"?>
 <p:tagLst xmlns:p="http://schemas.openxmlformats.org/presentationml/2006/main">
   <p:tag name="KSO_WM_BEAUTIFY_FLAG" val="#wm#"/>
   <p:tag name="KSO_WM_TEMPLATE_CATEGORY" val="custom"/>

--- a/MultiThread/PPT/UE4_多线程.pptx
+++ b/MultiThread/PPT/UE4_多线程.pptx
@@ -4459,7 +4459,7 @@
               <a:rPr lang="zh-CN" altLang="en-US">
                 <a:sym typeface="+mn-ea"/>
               </a:rPr>
-              <a:t>执行流程</a:t>
+              <a:t>线程执行任务流程</a:t>
             </a:r>
             <a:endParaRPr lang="zh-CN" altLang="en-US">
               <a:sym typeface="+mn-ea"/>
@@ -4705,7 +4705,13 @@
               <a:rPr lang="zh-CN" altLang="en-US">
                 <a:sym typeface="+mn-ea"/>
               </a:rPr>
-              <a:t>执行流程</a:t>
+              <a:t>析构</a:t>
+            </a:r>
+            <a:r>
+              <a:rPr lang="zh-CN" altLang="en-US">
+                <a:sym typeface="+mn-ea"/>
+              </a:rPr>
+              <a:t>流程</a:t>
             </a:r>
             <a:endParaRPr lang="zh-CN" altLang="en-US">
               <a:sym typeface="+mn-ea"/>
@@ -4886,7 +4892,7 @@
               <a:rPr lang="en-US" altLang="zh-CN">
                 <a:sym typeface="+mn-ea"/>
               </a:rPr>
-              <a:t>AsyncTask</a:t>
+              <a:t>AsyncTask </a:t>
             </a:r>
             <a:r>
               <a:rPr lang="zh-CN" altLang="en-US">
@@ -5001,18 +5007,12 @@
               <a:t>AsyncTask</a:t>
             </a:r>
             <a:r>
-              <a:rPr lang="zh-CN" altLang="en-US">
-                <a:sym typeface="+mn-ea"/>
-              </a:rPr>
-              <a:t>执行</a:t>
-            </a:r>
-            <a:r>
-              <a:rPr lang="zh-CN" altLang="en-US">
-                <a:sym typeface="+mn-ea"/>
-              </a:rPr>
-              <a:t>流程</a:t>
-            </a:r>
-            <a:endParaRPr lang="zh-CN" altLang="en-US">
+              <a:rPr lang="en-US" altLang="zh-CN">
+                <a:sym typeface="+mn-ea"/>
+              </a:rPr>
+              <a:t> 创建线程池</a:t>
+            </a:r>
+            <a:endParaRPr lang="en-US" altLang="zh-CN">
               <a:sym typeface="+mn-ea"/>
             </a:endParaRPr>
           </a:p>
@@ -5517,18 +5517,12 @@
               <a:t>AsyncTask</a:t>
             </a:r>
             <a:r>
-              <a:rPr lang="zh-CN" altLang="en-US">
-                <a:sym typeface="+mn-ea"/>
-              </a:rPr>
-              <a:t>执行</a:t>
-            </a:r>
-            <a:r>
-              <a:rPr lang="zh-CN" altLang="en-US">
-                <a:sym typeface="+mn-ea"/>
-              </a:rPr>
-              <a:t>流程</a:t>
-            </a:r>
-            <a:endParaRPr lang="zh-CN" altLang="en-US">
+              <a:rPr lang="en-US" altLang="zh-CN">
+                <a:sym typeface="+mn-ea"/>
+              </a:rPr>
+              <a:t> 创建线程</a:t>
+            </a:r>
+            <a:endParaRPr lang="en-US" altLang="zh-CN">
               <a:sym typeface="+mn-ea"/>
             </a:endParaRPr>
           </a:p>
@@ -5727,7 +5721,7 @@
                   </a:schemeClr>
                 </a:solidFill>
               </a:rPr>
-              <a:t>数组</a:t>
+              <a:t>的数组</a:t>
             </a:r>
             <a:endParaRPr lang="en-US" altLang="zh-CN" sz="1200">
               <a:solidFill>
@@ -5793,6 +5787,17 @@
               </a:rPr>
               <a:t>// 池子里所有的线程</a:t>
             </a:r>
+            <a:r>
+              <a:rPr lang="zh-CN" altLang="en-US" sz="1200">
+                <a:solidFill>
+                  <a:schemeClr val="tx1">
+                    <a:lumMod val="65000"/>
+                    <a:lumOff val="35000"/>
+                  </a:schemeClr>
+                </a:solidFill>
+              </a:rPr>
+              <a:t>的数组</a:t>
+            </a:r>
             <a:endParaRPr lang="en-US" altLang="zh-CN" sz="1200">
               <a:solidFill>
                 <a:schemeClr val="tx1">
@@ -5940,18 +5945,12 @@
               <a:t>AsyncTask</a:t>
             </a:r>
             <a:r>
-              <a:rPr lang="zh-CN" altLang="en-US">
-                <a:sym typeface="+mn-ea"/>
-              </a:rPr>
-              <a:t>执行</a:t>
-            </a:r>
-            <a:r>
-              <a:rPr lang="zh-CN" altLang="en-US">
-                <a:sym typeface="+mn-ea"/>
-              </a:rPr>
-              <a:t>流程</a:t>
-            </a:r>
-            <a:endParaRPr lang="zh-CN" altLang="en-US">
+              <a:rPr lang="en-US" altLang="zh-CN">
+                <a:sym typeface="+mn-ea"/>
+              </a:rPr>
+              <a:t> 线程执行任务流程</a:t>
+            </a:r>
+            <a:endParaRPr lang="en-US" altLang="zh-CN">
               <a:sym typeface="+mn-ea"/>
             </a:endParaRPr>
           </a:p>
@@ -6229,19 +6228,19 @@
               <a:rPr lang="en-US" altLang="zh-CN">
                 <a:sym typeface="+mn-ea"/>
               </a:rPr>
-              <a:t>AsyncTask</a:t>
-            </a:r>
-            <a:r>
-              <a:rPr lang="zh-CN" altLang="en-US">
-                <a:sym typeface="+mn-ea"/>
-              </a:rPr>
-              <a:t>执行</a:t>
-            </a:r>
-            <a:r>
-              <a:rPr lang="zh-CN" altLang="en-US">
-                <a:sym typeface="+mn-ea"/>
-              </a:rPr>
-              <a:t>流程</a:t>
+              <a:t>AsyncTask </a:t>
+            </a:r>
+            <a:r>
+              <a:rPr lang="zh-CN" altLang="en-US">
+                <a:sym typeface="+mn-ea"/>
+              </a:rPr>
+              <a:t>添加</a:t>
+            </a:r>
+            <a:r>
+              <a:rPr lang="zh-CN" altLang="en-US">
+                <a:sym typeface="+mn-ea"/>
+              </a:rPr>
+              <a:t>任务</a:t>
             </a:r>
             <a:endParaRPr lang="zh-CN" altLang="en-US">
               <a:sym typeface="+mn-ea"/>
@@ -6429,7 +6428,7 @@
               <a:rPr lang="en-US" altLang="zh-CN">
                 <a:sym typeface="+mn-ea"/>
               </a:rPr>
-              <a:t>TaskGraph</a:t>
+              <a:t>TaskGraph </a:t>
             </a:r>
             <a:r>
               <a:rPr lang="zh-CN" altLang="en-US">
@@ -6451,7 +6450,7 @@
       </p:sp>
       <p:pic>
         <p:nvPicPr>
-          <p:cNvPr id="3" name="图片 2" descr="P3_01"/>
+          <p:cNvPr id="5" name="图片 4" descr="P3_02"/>
           <p:cNvPicPr>
             <a:picLocks noChangeAspect="1"/>
           </p:cNvPicPr>
@@ -6465,8 +6464,8 @@
         </p:blipFill>
         <p:spPr>
           <a:xfrm>
-            <a:off x="2376805" y="705485"/>
-            <a:ext cx="7438390" cy="4798695"/>
+            <a:off x="2752725" y="5915660"/>
+            <a:ext cx="6686550" cy="285750"/>
           </a:xfrm>
           <a:prstGeom prst="rect">
             <a:avLst/>
@@ -6475,7 +6474,7 @@
       </p:pic>
       <p:pic>
         <p:nvPicPr>
-          <p:cNvPr id="5" name="图片 4" descr="P3_02"/>
+          <p:cNvPr id="4" name="图片 3" descr="P3_01"/>
           <p:cNvPicPr>
             <a:picLocks noChangeAspect="1"/>
           </p:cNvPicPr>
@@ -6489,8 +6488,8 @@
         </p:blipFill>
         <p:spPr>
           <a:xfrm>
-            <a:off x="2752725" y="5915660"/>
-            <a:ext cx="6686550" cy="285750"/>
+            <a:off x="2172970" y="705485"/>
+            <a:ext cx="7846060" cy="5081905"/>
           </a:xfrm>
           <a:prstGeom prst="rect">
             <a:avLst/>
@@ -6547,13 +6546,7 @@
               <a:rPr lang="zh-CN" altLang="en-US">
                 <a:sym typeface="+mn-ea"/>
               </a:rPr>
-              <a:t>执行</a:t>
-            </a:r>
-            <a:r>
-              <a:rPr lang="zh-CN" altLang="en-US">
-                <a:sym typeface="+mn-ea"/>
-              </a:rPr>
-              <a:t>流程</a:t>
+              <a:t>创建流程</a:t>
             </a:r>
             <a:endParaRPr lang="zh-CN" altLang="en-US">
               <a:sym typeface="+mn-ea"/>
@@ -7207,7 +7200,7 @@
                   </a:schemeClr>
                 </a:solidFill>
               </a:rPr>
-              <a:t>2</a:t>
+              <a:t>3</a:t>
             </a:r>
             <a:r>
               <a:rPr lang="zh-CN" altLang="en-US" sz="1200">
@@ -7313,32 +7306,28 @@
         </p:nvSpPr>
         <p:spPr>
           <a:xfrm>
-            <a:off x="70" y="70"/>
-            <a:ext cx="10969200" cy="705600"/>
+            <a:off x="635" y="0"/>
+            <a:ext cx="6090920" cy="705485"/>
           </a:xfrm>
         </p:spPr>
         <p:txBody>
-          <a:bodyPr/>
-          <a:p>
-            <a:r>
-              <a:rPr lang="en-US" altLang="zh-CN">
+          <a:bodyPr>
+            <a:normAutofit/>
+          </a:bodyPr>
+          <a:p>
+            <a:r>
+              <a:rPr lang="en-US" altLang="zh-CN" sz="3110">
                 <a:sym typeface="+mn-ea"/>
               </a:rPr>
               <a:t>TaskGraph</a:t>
             </a:r>
             <a:r>
-              <a:rPr lang="zh-CN" altLang="en-US">
-                <a:sym typeface="+mn-ea"/>
-              </a:rPr>
-              <a:t>执行</a:t>
-            </a:r>
-            <a:r>
-              <a:rPr lang="zh-CN" altLang="en-US">
-                <a:sym typeface="+mn-ea"/>
-              </a:rPr>
-              <a:t>流程</a:t>
-            </a:r>
-            <a:endParaRPr lang="zh-CN" altLang="en-US">
+              <a:rPr lang="zh-CN" altLang="en-US" sz="3110">
+                <a:sym typeface="+mn-ea"/>
+              </a:rPr>
+              <a:t>线程执行任务流程</a:t>
+            </a:r>
+            <a:endParaRPr lang="zh-CN" altLang="en-US" sz="3110">
               <a:sym typeface="+mn-ea"/>
             </a:endParaRPr>
           </a:p>
@@ -7695,19 +7684,13 @@
               <a:rPr lang="en-US" altLang="zh-CN">
                 <a:sym typeface="+mn-ea"/>
               </a:rPr>
-              <a:t>TaskGraph</a:t>
-            </a:r>
-            <a:r>
-              <a:rPr lang="zh-CN" altLang="en-US">
-                <a:sym typeface="+mn-ea"/>
-              </a:rPr>
-              <a:t>执行</a:t>
-            </a:r>
-            <a:r>
-              <a:rPr lang="zh-CN" altLang="en-US">
-                <a:sym typeface="+mn-ea"/>
-              </a:rPr>
-              <a:t>流程</a:t>
+              <a:t>TaskGraph </a:t>
+            </a:r>
+            <a:r>
+              <a:rPr lang="zh-CN" altLang="en-US">
+                <a:sym typeface="+mn-ea"/>
+              </a:rPr>
+              <a:t>执行任务</a:t>
             </a:r>
             <a:endParaRPr lang="zh-CN" altLang="en-US">
               <a:sym typeface="+mn-ea"/>
@@ -8086,18 +8069,12 @@
               <a:t>TaskGraph</a:t>
             </a:r>
             <a:r>
-              <a:rPr lang="zh-CN" altLang="en-US">
-                <a:sym typeface="+mn-ea"/>
-              </a:rPr>
-              <a:t>执行</a:t>
-            </a:r>
-            <a:r>
-              <a:rPr lang="zh-CN" altLang="en-US">
-                <a:sym typeface="+mn-ea"/>
-              </a:rPr>
-              <a:t>流程</a:t>
-            </a:r>
-            <a:endParaRPr lang="zh-CN" altLang="en-US">
+              <a:rPr lang="en-US" altLang="zh-CN">
+                <a:sym typeface="+mn-ea"/>
+              </a:rPr>
+              <a:t> 创建任务</a:t>
+            </a:r>
+            <a:endParaRPr lang="en-US" altLang="zh-CN">
               <a:sym typeface="+mn-ea"/>
             </a:endParaRPr>
           </a:p>
@@ -8388,7 +8365,7 @@
         <p:spPr>
           <a:xfrm>
             <a:off x="0" y="4588510"/>
-            <a:ext cx="4571365" cy="1383665"/>
+            <a:ext cx="4572000" cy="1938020"/>
           </a:xfrm>
           <a:prstGeom prst="rect">
             <a:avLst/>
@@ -8615,6 +8592,82 @@
               </a:solidFill>
             </a:endParaRPr>
           </a:p>
+          <a:p>
+            <a:pPr indent="0" algn="l">
+              <a:buFont typeface="Arial" panose="020B0604020202020204" pitchFamily="34" charset="0"/>
+              <a:buNone/>
+            </a:pPr>
+            <a:endParaRPr lang="en-US" altLang="zh-CN" sz="1200">
+              <a:solidFill>
+                <a:schemeClr val="tx1">
+                  <a:lumMod val="65000"/>
+                  <a:lumOff val="35000"/>
+                </a:schemeClr>
+              </a:solidFill>
+            </a:endParaRPr>
+          </a:p>
+          <a:p>
+            <a:pPr indent="0" algn="l">
+              <a:buFont typeface="Arial" panose="020B0604020202020204" pitchFamily="34" charset="0"/>
+              <a:buNone/>
+            </a:pPr>
+            <a:r>
+              <a:rPr lang="en-US" altLang="zh-CN" sz="1200">
+                <a:solidFill>
+                  <a:schemeClr val="tx1">
+                    <a:lumMod val="65000"/>
+                    <a:lumOff val="35000"/>
+                  </a:schemeClr>
+                </a:solidFill>
+              </a:rPr>
+              <a:t>// </a:t>
+            </a:r>
+            <a:r>
+              <a:rPr lang="zh-CN" altLang="en-US" sz="1200">
+                <a:solidFill>
+                  <a:schemeClr val="tx1">
+                    <a:lumMod val="65000"/>
+                    <a:lumOff val="35000"/>
+                  </a:schemeClr>
+                </a:solidFill>
+                <a:sym typeface="+mn-ea"/>
+              </a:rPr>
+              <a:t>表示未完成的前置任务数</a:t>
+            </a:r>
+            <a:endParaRPr lang="en-US" altLang="zh-CN" sz="1200">
+              <a:solidFill>
+                <a:schemeClr val="tx1">
+                  <a:lumMod val="65000"/>
+                  <a:lumOff val="35000"/>
+                </a:schemeClr>
+              </a:solidFill>
+            </a:endParaRPr>
+          </a:p>
+          <a:p>
+            <a:pPr marL="285750" indent="-285750" algn="l">
+              <a:buFont typeface="Arial" panose="020B0604020202020204" pitchFamily="34" charset="0"/>
+              <a:buChar char="•"/>
+            </a:pPr>
+            <a:r>
+              <a:rPr lang="en-US" altLang="zh-CN" sz="1200">
+                <a:solidFill>
+                  <a:schemeClr val="tx1">
+                    <a:lumMod val="65000"/>
+                    <a:lumOff val="35000"/>
+                  </a:schemeClr>
+                </a:solidFill>
+              </a:rPr>
+              <a:t>FThreadSafeCounter NumberOfPrerequistitesOutstanding;</a:t>
+            </a:r>
+            <a:endParaRPr lang="en-US" altLang="zh-CN" sz="1200">
+              <a:solidFill>
+                <a:schemeClr val="tx1">
+                  <a:lumMod val="65000"/>
+                  <a:lumOff val="35000"/>
+                </a:schemeClr>
+              </a:solidFill>
+            </a:endParaRPr>
+          </a:p>
         </p:txBody>
       </p:sp>
     </p:spTree>
@@ -8664,18 +8717,12 @@
               <a:t>TaskGraph</a:t>
             </a:r>
             <a:r>
-              <a:rPr lang="zh-CN" altLang="en-US">
-                <a:sym typeface="+mn-ea"/>
-              </a:rPr>
-              <a:t>执行</a:t>
-            </a:r>
-            <a:r>
-              <a:rPr lang="zh-CN" altLang="en-US">
-                <a:sym typeface="+mn-ea"/>
-              </a:rPr>
-              <a:t>流程</a:t>
-            </a:r>
-            <a:endParaRPr lang="zh-CN" altLang="en-US">
+              <a:rPr lang="en-US" altLang="zh-CN">
+                <a:sym typeface="+mn-ea"/>
+              </a:rPr>
+              <a:t> 添加任务</a:t>
+            </a:r>
+            <a:endParaRPr lang="en-US" altLang="zh-CN">
               <a:sym typeface="+mn-ea"/>
             </a:endParaRPr>
           </a:p>
@@ -10342,7 +10389,13 @@
               <a:rPr lang="zh-CN" altLang="en-US">
                 <a:sym typeface="+mn-ea"/>
               </a:rPr>
-              <a:t>执行流程</a:t>
+              <a:t>创建</a:t>
+            </a:r>
+            <a:r>
+              <a:rPr lang="zh-CN" altLang="en-US">
+                <a:sym typeface="+mn-ea"/>
+              </a:rPr>
+              <a:t>流程</a:t>
             </a:r>
             <a:endParaRPr lang="zh-CN" altLang="en-US">
               <a:sym typeface="+mn-ea"/>
@@ -10573,7 +10626,7 @@
               <a:rPr lang="zh-CN" altLang="en-US">
                 <a:sym typeface="+mn-ea"/>
               </a:rPr>
-              <a:t>执行流程</a:t>
+              <a:t>初始化流程</a:t>
             </a:r>
             <a:endParaRPr lang="zh-CN" altLang="en-US">
               <a:sym typeface="+mn-ea"/>
@@ -11077,7 +11130,7 @@
               <a:rPr lang="zh-CN" altLang="en-US">
                 <a:sym typeface="+mn-ea"/>
               </a:rPr>
-              <a:t>执行流程</a:t>
+              <a:t>线程执行任务流程</a:t>
             </a:r>
             <a:endParaRPr lang="zh-CN" altLang="en-US">
               <a:sym typeface="+mn-ea"/>
